--- a/天天歌唱.pptx
+++ b/天天歌唱.pptx
@@ -1,16 +1,16 @@
 
 <file path=ppt/presentation.xml><?xml version="1.0" encoding="utf-8"?>
-<p:presentation xmlns:a="http://schemas.openxmlformats.org/drawingml/2006/main" xmlns:r="http://schemas.openxmlformats.org/officeDocument/2006/relationships" xmlns:p="http://schemas.openxmlformats.org/presentationml/2006/main" saveSubsetFonts="1">
+<p:presentation xmlns:a="http://schemas.openxmlformats.org/drawingml/2006/main" xmlns:r="http://schemas.openxmlformats.org/officeDocument/2006/relationships" xmlns:p="http://schemas.openxmlformats.org/presentationml/2006/main">
   <p:sldMasterIdLst>
-    <p:sldMasterId id="2147483672" r:id="rId1"/>
+    <p:sldMasterId id="2147483648" r:id="rId1"/>
   </p:sldMasterIdLst>
   <p:sldIdLst>
-    <p:sldId id="256" r:id="rId2"/>
-    <p:sldId id="257" r:id="rId3"/>
-    <p:sldId id="258" r:id="rId4"/>
-    <p:sldId id="259" r:id="rId5"/>
+    <p:sldId id="256" r:id="rId3"/>
+    <p:sldId id="257" r:id="rId4"/>
+    <p:sldId id="258" r:id="rId5"/>
+    <p:sldId id="259" r:id="rId6"/>
   </p:sldIdLst>
-  <p:sldSz cx="9144000" cy="6858000" type="screen4x3"/>
+  <p:sldSz cx="12192000" cy="6858000"/>
   <p:notesSz cx="6858000" cy="9144000"/>
   <p:defaultTextStyle>
     <a:defPPr>
@@ -139,8 +139,8 @@
         </p:nvSpPr>
         <p:spPr>
           <a:xfrm>
-            <a:off x="685800" y="2130425"/>
-            <a:ext cx="7772400" cy="1470025"/>
+            <a:off x="914400" y="2130425"/>
+            <a:ext cx="10363200" cy="1470025"/>
           </a:xfrm>
         </p:spPr>
         <p:txBody>
@@ -167,8 +167,8 @@
         </p:nvSpPr>
         <p:spPr>
           <a:xfrm>
-            <a:off x="1371600" y="3886200"/>
-            <a:ext cx="6400800" cy="1752600"/>
+            <a:off x="1828800" y="3886200"/>
+            <a:ext cx="8534400" cy="1752600"/>
           </a:xfrm>
         </p:spPr>
         <p:txBody>
@@ -291,8 +291,6 @@
           <a:p>
             <a:fld id="{DFBC76FB-F76A-46AD-B437-670A42281DAA}" type="datetimeFigureOut">
               <a:rPr lang="zh-TW" altLang="en-US" smtClean="0"/>
-              <a:pPr/>
-              <a:t>2018/5/19</a:t>
             </a:fld>
             <a:endParaRPr lang="zh-TW" altLang="en-US"/>
           </a:p>
@@ -334,8 +332,6 @@
           <a:p>
             <a:fld id="{535D5BFD-5323-4BDD-8D1B-A6DFC2EF8C4E}" type="slidenum">
               <a:rPr lang="zh-TW" altLang="en-US" smtClean="0"/>
-              <a:pPr/>
-              <a:t>‹#›</a:t>
             </a:fld>
             <a:endParaRPr lang="zh-TW" altLang="en-US"/>
           </a:p>
@@ -409,6 +405,7 @@
               <a:rPr lang="zh-TW" altLang="en-US" smtClean="0"/>
               <a:t>按一下以編輯母片文字樣式</a:t>
             </a:r>
+            <a:endParaRPr lang="zh-TW" altLang="en-US" smtClean="0"/>
           </a:p>
           <a:p>
             <a:pPr lvl="1"/>
@@ -416,6 +413,7 @@
               <a:rPr lang="zh-TW" altLang="en-US" smtClean="0"/>
               <a:t>第二層</a:t>
             </a:r>
+            <a:endParaRPr lang="zh-TW" altLang="en-US" smtClean="0"/>
           </a:p>
           <a:p>
             <a:pPr lvl="2"/>
@@ -423,6 +421,7 @@
               <a:rPr lang="zh-TW" altLang="en-US" smtClean="0"/>
               <a:t>第三層</a:t>
             </a:r>
+            <a:endParaRPr lang="zh-TW" altLang="en-US" smtClean="0"/>
           </a:p>
           <a:p>
             <a:pPr lvl="3"/>
@@ -430,6 +429,7 @@
               <a:rPr lang="zh-TW" altLang="en-US" smtClean="0"/>
               <a:t>第四層</a:t>
             </a:r>
+            <a:endParaRPr lang="zh-TW" altLang="en-US" smtClean="0"/>
           </a:p>
           <a:p>
             <a:pPr lvl="4"/>
@@ -458,8 +458,6 @@
           <a:p>
             <a:fld id="{DFBC76FB-F76A-46AD-B437-670A42281DAA}" type="datetimeFigureOut">
               <a:rPr lang="zh-TW" altLang="en-US" smtClean="0"/>
-              <a:pPr/>
-              <a:t>2018/5/19</a:t>
             </a:fld>
             <a:endParaRPr lang="zh-TW" altLang="en-US"/>
           </a:p>
@@ -501,8 +499,6 @@
           <a:p>
             <a:fld id="{535D5BFD-5323-4BDD-8D1B-A6DFC2EF8C4E}" type="slidenum">
               <a:rPr lang="zh-TW" altLang="en-US" smtClean="0"/>
-              <a:pPr/>
-              <a:t>‹#›</a:t>
             </a:fld>
             <a:endParaRPr lang="zh-TW" altLang="en-US"/>
           </a:p>
@@ -545,8 +541,8 @@
         </p:nvSpPr>
         <p:spPr>
           <a:xfrm>
-            <a:off x="6629400" y="274638"/>
-            <a:ext cx="2057400" cy="5851525"/>
+            <a:off x="8839200" y="274638"/>
+            <a:ext cx="2743200" cy="5851525"/>
           </a:xfrm>
         </p:spPr>
         <p:txBody>
@@ -573,8 +569,8 @@
         </p:nvSpPr>
         <p:spPr>
           <a:xfrm>
-            <a:off x="457200" y="274638"/>
-            <a:ext cx="6019800" cy="5851525"/>
+            <a:off x="609600" y="274638"/>
+            <a:ext cx="8026400" cy="5851525"/>
           </a:xfrm>
         </p:spPr>
         <p:txBody>
@@ -586,6 +582,7 @@
               <a:rPr lang="zh-TW" altLang="en-US" smtClean="0"/>
               <a:t>按一下以編輯母片文字樣式</a:t>
             </a:r>
+            <a:endParaRPr lang="zh-TW" altLang="en-US" smtClean="0"/>
           </a:p>
           <a:p>
             <a:pPr lvl="1"/>
@@ -593,6 +590,7 @@
               <a:rPr lang="zh-TW" altLang="en-US" smtClean="0"/>
               <a:t>第二層</a:t>
             </a:r>
+            <a:endParaRPr lang="zh-TW" altLang="en-US" smtClean="0"/>
           </a:p>
           <a:p>
             <a:pPr lvl="2"/>
@@ -600,6 +598,7 @@
               <a:rPr lang="zh-TW" altLang="en-US" smtClean="0"/>
               <a:t>第三層</a:t>
             </a:r>
+            <a:endParaRPr lang="zh-TW" altLang="en-US" smtClean="0"/>
           </a:p>
           <a:p>
             <a:pPr lvl="3"/>
@@ -607,6 +606,7 @@
               <a:rPr lang="zh-TW" altLang="en-US" smtClean="0"/>
               <a:t>第四層</a:t>
             </a:r>
+            <a:endParaRPr lang="zh-TW" altLang="en-US" smtClean="0"/>
           </a:p>
           <a:p>
             <a:pPr lvl="4"/>
@@ -635,8 +635,6 @@
           <a:p>
             <a:fld id="{DFBC76FB-F76A-46AD-B437-670A42281DAA}" type="datetimeFigureOut">
               <a:rPr lang="zh-TW" altLang="en-US" smtClean="0"/>
-              <a:pPr/>
-              <a:t>2018/5/19</a:t>
             </a:fld>
             <a:endParaRPr lang="zh-TW" altLang="en-US"/>
           </a:p>
@@ -678,8 +676,6 @@
           <a:p>
             <a:fld id="{535D5BFD-5323-4BDD-8D1B-A6DFC2EF8C4E}" type="slidenum">
               <a:rPr lang="zh-TW" altLang="en-US" smtClean="0"/>
-              <a:pPr/>
-              <a:t>‹#›</a:t>
             </a:fld>
             <a:endParaRPr lang="zh-TW" altLang="en-US"/>
           </a:p>
@@ -753,6 +749,7 @@
               <a:rPr lang="zh-TW" altLang="en-US" smtClean="0"/>
               <a:t>按一下以編輯母片文字樣式</a:t>
             </a:r>
+            <a:endParaRPr lang="zh-TW" altLang="en-US" smtClean="0"/>
           </a:p>
           <a:p>
             <a:pPr lvl="1"/>
@@ -760,6 +757,7 @@
               <a:rPr lang="zh-TW" altLang="en-US" smtClean="0"/>
               <a:t>第二層</a:t>
             </a:r>
+            <a:endParaRPr lang="zh-TW" altLang="en-US" smtClean="0"/>
           </a:p>
           <a:p>
             <a:pPr lvl="2"/>
@@ -767,6 +765,7 @@
               <a:rPr lang="zh-TW" altLang="en-US" smtClean="0"/>
               <a:t>第三層</a:t>
             </a:r>
+            <a:endParaRPr lang="zh-TW" altLang="en-US" smtClean="0"/>
           </a:p>
           <a:p>
             <a:pPr lvl="3"/>
@@ -774,6 +773,7 @@
               <a:rPr lang="zh-TW" altLang="en-US" smtClean="0"/>
               <a:t>第四層</a:t>
             </a:r>
+            <a:endParaRPr lang="zh-TW" altLang="en-US" smtClean="0"/>
           </a:p>
           <a:p>
             <a:pPr lvl="4"/>
@@ -802,8 +802,6 @@
           <a:p>
             <a:fld id="{DFBC76FB-F76A-46AD-B437-670A42281DAA}" type="datetimeFigureOut">
               <a:rPr lang="zh-TW" altLang="en-US" smtClean="0"/>
-              <a:pPr/>
-              <a:t>2018/5/19</a:t>
             </a:fld>
             <a:endParaRPr lang="zh-TW" altLang="en-US"/>
           </a:p>
@@ -845,8 +843,6 @@
           <a:p>
             <a:fld id="{535D5BFD-5323-4BDD-8D1B-A6DFC2EF8C4E}" type="slidenum">
               <a:rPr lang="zh-TW" altLang="en-US" smtClean="0"/>
-              <a:pPr/>
-              <a:t>‹#›</a:t>
             </a:fld>
             <a:endParaRPr lang="zh-TW" altLang="en-US"/>
           </a:p>
@@ -889,8 +885,8 @@
         </p:nvSpPr>
         <p:spPr>
           <a:xfrm>
-            <a:off x="722313" y="4406900"/>
-            <a:ext cx="7772400" cy="1362075"/>
+            <a:off x="963084" y="4406900"/>
+            <a:ext cx="10363200" cy="1362075"/>
           </a:xfrm>
         </p:spPr>
         <p:txBody>
@@ -921,8 +917,8 @@
         </p:nvSpPr>
         <p:spPr>
           <a:xfrm>
-            <a:off x="722313" y="2906713"/>
-            <a:ext cx="7772400" cy="1500187"/>
+            <a:off x="963084" y="2906713"/>
+            <a:ext cx="10363200" cy="1500187"/>
           </a:xfrm>
         </p:spPr>
         <p:txBody>
@@ -1025,6 +1021,7 @@
               <a:rPr lang="zh-TW" altLang="en-US" smtClean="0"/>
               <a:t>按一下以編輯母片文字樣式</a:t>
             </a:r>
+            <a:endParaRPr lang="zh-TW" altLang="en-US" smtClean="0"/>
           </a:p>
         </p:txBody>
       </p:sp>
@@ -1045,8 +1042,6 @@
           <a:p>
             <a:fld id="{DFBC76FB-F76A-46AD-B437-670A42281DAA}" type="datetimeFigureOut">
               <a:rPr lang="zh-TW" altLang="en-US" smtClean="0"/>
-              <a:pPr/>
-              <a:t>2018/5/19</a:t>
             </a:fld>
             <a:endParaRPr lang="zh-TW" altLang="en-US"/>
           </a:p>
@@ -1088,8 +1083,6 @@
           <a:p>
             <a:fld id="{535D5BFD-5323-4BDD-8D1B-A6DFC2EF8C4E}" type="slidenum">
               <a:rPr lang="zh-TW" altLang="en-US" smtClean="0"/>
-              <a:pPr/>
-              <a:t>‹#›</a:t>
             </a:fld>
             <a:endParaRPr lang="zh-TW" altLang="en-US"/>
           </a:p>
@@ -1155,8 +1148,8 @@
         </p:nvSpPr>
         <p:spPr>
           <a:xfrm>
-            <a:off x="457200" y="1600200"/>
-            <a:ext cx="4038600" cy="4525963"/>
+            <a:off x="609600" y="1600200"/>
+            <a:ext cx="5384800" cy="4525963"/>
           </a:xfrm>
         </p:spPr>
         <p:txBody>
@@ -1196,6 +1189,7 @@
               <a:rPr lang="zh-TW" altLang="en-US" smtClean="0"/>
               <a:t>按一下以編輯母片文字樣式</a:t>
             </a:r>
+            <a:endParaRPr lang="zh-TW" altLang="en-US" smtClean="0"/>
           </a:p>
           <a:p>
             <a:pPr lvl="1"/>
@@ -1203,6 +1197,7 @@
               <a:rPr lang="zh-TW" altLang="en-US" smtClean="0"/>
               <a:t>第二層</a:t>
             </a:r>
+            <a:endParaRPr lang="zh-TW" altLang="en-US" smtClean="0"/>
           </a:p>
           <a:p>
             <a:pPr lvl="2"/>
@@ -1210,6 +1205,7 @@
               <a:rPr lang="zh-TW" altLang="en-US" smtClean="0"/>
               <a:t>第三層</a:t>
             </a:r>
+            <a:endParaRPr lang="zh-TW" altLang="en-US" smtClean="0"/>
           </a:p>
           <a:p>
             <a:pPr lvl="3"/>
@@ -1217,6 +1213,7 @@
               <a:rPr lang="zh-TW" altLang="en-US" smtClean="0"/>
               <a:t>第四層</a:t>
             </a:r>
+            <a:endParaRPr lang="zh-TW" altLang="en-US" smtClean="0"/>
           </a:p>
           <a:p>
             <a:pPr lvl="4"/>
@@ -1240,8 +1237,8 @@
         </p:nvSpPr>
         <p:spPr>
           <a:xfrm>
-            <a:off x="4648200" y="1600200"/>
-            <a:ext cx="4038600" cy="4525963"/>
+            <a:off x="6197600" y="1600200"/>
+            <a:ext cx="5384800" cy="4525963"/>
           </a:xfrm>
         </p:spPr>
         <p:txBody>
@@ -1281,6 +1278,7 @@
               <a:rPr lang="zh-TW" altLang="en-US" smtClean="0"/>
               <a:t>按一下以編輯母片文字樣式</a:t>
             </a:r>
+            <a:endParaRPr lang="zh-TW" altLang="en-US" smtClean="0"/>
           </a:p>
           <a:p>
             <a:pPr lvl="1"/>
@@ -1288,6 +1286,7 @@
               <a:rPr lang="zh-TW" altLang="en-US" smtClean="0"/>
               <a:t>第二層</a:t>
             </a:r>
+            <a:endParaRPr lang="zh-TW" altLang="en-US" smtClean="0"/>
           </a:p>
           <a:p>
             <a:pPr lvl="2"/>
@@ -1295,6 +1294,7 @@
               <a:rPr lang="zh-TW" altLang="en-US" smtClean="0"/>
               <a:t>第三層</a:t>
             </a:r>
+            <a:endParaRPr lang="zh-TW" altLang="en-US" smtClean="0"/>
           </a:p>
           <a:p>
             <a:pPr lvl="3"/>
@@ -1302,6 +1302,7 @@
               <a:rPr lang="zh-TW" altLang="en-US" smtClean="0"/>
               <a:t>第四層</a:t>
             </a:r>
+            <a:endParaRPr lang="zh-TW" altLang="en-US" smtClean="0"/>
           </a:p>
           <a:p>
             <a:pPr lvl="4"/>
@@ -1330,8 +1331,6 @@
           <a:p>
             <a:fld id="{DFBC76FB-F76A-46AD-B437-670A42281DAA}" type="datetimeFigureOut">
               <a:rPr lang="zh-TW" altLang="en-US" smtClean="0"/>
-              <a:pPr/>
-              <a:t>2018/5/19</a:t>
             </a:fld>
             <a:endParaRPr lang="zh-TW" altLang="en-US"/>
           </a:p>
@@ -1373,8 +1372,6 @@
           <a:p>
             <a:fld id="{535D5BFD-5323-4BDD-8D1B-A6DFC2EF8C4E}" type="slidenum">
               <a:rPr lang="zh-TW" altLang="en-US" smtClean="0"/>
-              <a:pPr/>
-              <a:t>‹#›</a:t>
             </a:fld>
             <a:endParaRPr lang="zh-TW" altLang="en-US"/>
           </a:p>
@@ -1444,8 +1441,8 @@
         </p:nvSpPr>
         <p:spPr>
           <a:xfrm>
-            <a:off x="457200" y="1535113"/>
-            <a:ext cx="4040188" cy="639762"/>
+            <a:off x="609600" y="1535113"/>
+            <a:ext cx="5386917" cy="639762"/>
           </a:xfrm>
         </p:spPr>
         <p:txBody>
@@ -1494,6 +1491,7 @@
               <a:rPr lang="zh-TW" altLang="en-US" smtClean="0"/>
               <a:t>按一下以編輯母片文字樣式</a:t>
             </a:r>
+            <a:endParaRPr lang="zh-TW" altLang="en-US" smtClean="0"/>
           </a:p>
         </p:txBody>
       </p:sp>
@@ -1509,8 +1507,8 @@
         </p:nvSpPr>
         <p:spPr>
           <a:xfrm>
-            <a:off x="457200" y="2174875"/>
-            <a:ext cx="4040188" cy="3951288"/>
+            <a:off x="609600" y="2174875"/>
+            <a:ext cx="5386917" cy="3951288"/>
           </a:xfrm>
         </p:spPr>
         <p:txBody>
@@ -1550,6 +1548,7 @@
               <a:rPr lang="zh-TW" altLang="en-US" smtClean="0"/>
               <a:t>按一下以編輯母片文字樣式</a:t>
             </a:r>
+            <a:endParaRPr lang="zh-TW" altLang="en-US" smtClean="0"/>
           </a:p>
           <a:p>
             <a:pPr lvl="1"/>
@@ -1557,6 +1556,7 @@
               <a:rPr lang="zh-TW" altLang="en-US" smtClean="0"/>
               <a:t>第二層</a:t>
             </a:r>
+            <a:endParaRPr lang="zh-TW" altLang="en-US" smtClean="0"/>
           </a:p>
           <a:p>
             <a:pPr lvl="2"/>
@@ -1564,6 +1564,7 @@
               <a:rPr lang="zh-TW" altLang="en-US" smtClean="0"/>
               <a:t>第三層</a:t>
             </a:r>
+            <a:endParaRPr lang="zh-TW" altLang="en-US" smtClean="0"/>
           </a:p>
           <a:p>
             <a:pPr lvl="3"/>
@@ -1571,6 +1572,7 @@
               <a:rPr lang="zh-TW" altLang="en-US" smtClean="0"/>
               <a:t>第四層</a:t>
             </a:r>
+            <a:endParaRPr lang="zh-TW" altLang="en-US" smtClean="0"/>
           </a:p>
           <a:p>
             <a:pPr lvl="4"/>
@@ -1594,8 +1596,8 @@
         </p:nvSpPr>
         <p:spPr>
           <a:xfrm>
-            <a:off x="4645025" y="1535113"/>
-            <a:ext cx="4041775" cy="639762"/>
+            <a:off x="6193367" y="1535113"/>
+            <a:ext cx="5389033" cy="639762"/>
           </a:xfrm>
         </p:spPr>
         <p:txBody>
@@ -1644,6 +1646,7 @@
               <a:rPr lang="zh-TW" altLang="en-US" smtClean="0"/>
               <a:t>按一下以編輯母片文字樣式</a:t>
             </a:r>
+            <a:endParaRPr lang="zh-TW" altLang="en-US" smtClean="0"/>
           </a:p>
         </p:txBody>
       </p:sp>
@@ -1659,8 +1662,8 @@
         </p:nvSpPr>
         <p:spPr>
           <a:xfrm>
-            <a:off x="4645025" y="2174875"/>
-            <a:ext cx="4041775" cy="3951288"/>
+            <a:off x="6193367" y="2174875"/>
+            <a:ext cx="5389033" cy="3951288"/>
           </a:xfrm>
         </p:spPr>
         <p:txBody>
@@ -1700,6 +1703,7 @@
               <a:rPr lang="zh-TW" altLang="en-US" smtClean="0"/>
               <a:t>按一下以編輯母片文字樣式</a:t>
             </a:r>
+            <a:endParaRPr lang="zh-TW" altLang="en-US" smtClean="0"/>
           </a:p>
           <a:p>
             <a:pPr lvl="1"/>
@@ -1707,6 +1711,7 @@
               <a:rPr lang="zh-TW" altLang="en-US" smtClean="0"/>
               <a:t>第二層</a:t>
             </a:r>
+            <a:endParaRPr lang="zh-TW" altLang="en-US" smtClean="0"/>
           </a:p>
           <a:p>
             <a:pPr lvl="2"/>
@@ -1714,6 +1719,7 @@
               <a:rPr lang="zh-TW" altLang="en-US" smtClean="0"/>
               <a:t>第三層</a:t>
             </a:r>
+            <a:endParaRPr lang="zh-TW" altLang="en-US" smtClean="0"/>
           </a:p>
           <a:p>
             <a:pPr lvl="3"/>
@@ -1721,6 +1727,7 @@
               <a:rPr lang="zh-TW" altLang="en-US" smtClean="0"/>
               <a:t>第四層</a:t>
             </a:r>
+            <a:endParaRPr lang="zh-TW" altLang="en-US" smtClean="0"/>
           </a:p>
           <a:p>
             <a:pPr lvl="4"/>
@@ -1749,8 +1756,6 @@
           <a:p>
             <a:fld id="{DFBC76FB-F76A-46AD-B437-670A42281DAA}" type="datetimeFigureOut">
               <a:rPr lang="zh-TW" altLang="en-US" smtClean="0"/>
-              <a:pPr/>
-              <a:t>2018/5/19</a:t>
             </a:fld>
             <a:endParaRPr lang="zh-TW" altLang="en-US"/>
           </a:p>
@@ -1792,8 +1797,6 @@
           <a:p>
             <a:fld id="{535D5BFD-5323-4BDD-8D1B-A6DFC2EF8C4E}" type="slidenum">
               <a:rPr lang="zh-TW" altLang="en-US" smtClean="0"/>
-              <a:pPr/>
-              <a:t>‹#›</a:t>
             </a:fld>
             <a:endParaRPr lang="zh-TW" altLang="en-US"/>
           </a:p>
@@ -1864,8 +1867,6 @@
           <a:p>
             <a:fld id="{DFBC76FB-F76A-46AD-B437-670A42281DAA}" type="datetimeFigureOut">
               <a:rPr lang="zh-TW" altLang="en-US" smtClean="0"/>
-              <a:pPr/>
-              <a:t>2018/5/19</a:t>
             </a:fld>
             <a:endParaRPr lang="zh-TW" altLang="en-US"/>
           </a:p>
@@ -1907,8 +1908,6 @@
           <a:p>
             <a:fld id="{535D5BFD-5323-4BDD-8D1B-A6DFC2EF8C4E}" type="slidenum">
               <a:rPr lang="zh-TW" altLang="en-US" smtClean="0"/>
-              <a:pPr/>
-              <a:t>‹#›</a:t>
             </a:fld>
             <a:endParaRPr lang="zh-TW" altLang="en-US"/>
           </a:p>
@@ -1956,8 +1955,6 @@
           <a:p>
             <a:fld id="{DFBC76FB-F76A-46AD-B437-670A42281DAA}" type="datetimeFigureOut">
               <a:rPr lang="zh-TW" altLang="en-US" smtClean="0"/>
-              <a:pPr/>
-              <a:t>2018/5/19</a:t>
             </a:fld>
             <a:endParaRPr lang="zh-TW" altLang="en-US"/>
           </a:p>
@@ -1999,8 +1996,6 @@
           <a:p>
             <a:fld id="{535D5BFD-5323-4BDD-8D1B-A6DFC2EF8C4E}" type="slidenum">
               <a:rPr lang="zh-TW" altLang="en-US" smtClean="0"/>
-              <a:pPr/>
-              <a:t>‹#›</a:t>
             </a:fld>
             <a:endParaRPr lang="zh-TW" altLang="en-US"/>
           </a:p>
@@ -2043,8 +2038,8 @@
         </p:nvSpPr>
         <p:spPr>
           <a:xfrm>
-            <a:off x="457200" y="273050"/>
-            <a:ext cx="3008313" cy="1162050"/>
+            <a:off x="609600" y="273050"/>
+            <a:ext cx="4011084" cy="1162050"/>
           </a:xfrm>
         </p:spPr>
         <p:txBody>
@@ -2075,8 +2070,8 @@
         </p:nvSpPr>
         <p:spPr>
           <a:xfrm>
-            <a:off x="3575050" y="273050"/>
-            <a:ext cx="5111750" cy="5853113"/>
+            <a:off x="4766733" y="273050"/>
+            <a:ext cx="6815667" cy="5853113"/>
           </a:xfrm>
         </p:spPr>
         <p:txBody>
@@ -2116,6 +2111,7 @@
               <a:rPr lang="zh-TW" altLang="en-US" smtClean="0"/>
               <a:t>按一下以編輯母片文字樣式</a:t>
             </a:r>
+            <a:endParaRPr lang="zh-TW" altLang="en-US" smtClean="0"/>
           </a:p>
           <a:p>
             <a:pPr lvl="1"/>
@@ -2123,6 +2119,7 @@
               <a:rPr lang="zh-TW" altLang="en-US" smtClean="0"/>
               <a:t>第二層</a:t>
             </a:r>
+            <a:endParaRPr lang="zh-TW" altLang="en-US" smtClean="0"/>
           </a:p>
           <a:p>
             <a:pPr lvl="2"/>
@@ -2130,6 +2127,7 @@
               <a:rPr lang="zh-TW" altLang="en-US" smtClean="0"/>
               <a:t>第三層</a:t>
             </a:r>
+            <a:endParaRPr lang="zh-TW" altLang="en-US" smtClean="0"/>
           </a:p>
           <a:p>
             <a:pPr lvl="3"/>
@@ -2137,6 +2135,7 @@
               <a:rPr lang="zh-TW" altLang="en-US" smtClean="0"/>
               <a:t>第四層</a:t>
             </a:r>
+            <a:endParaRPr lang="zh-TW" altLang="en-US" smtClean="0"/>
           </a:p>
           <a:p>
             <a:pPr lvl="4"/>
@@ -2160,8 +2159,8 @@
         </p:nvSpPr>
         <p:spPr>
           <a:xfrm>
-            <a:off x="457200" y="1435100"/>
-            <a:ext cx="3008313" cy="4691063"/>
+            <a:off x="609600" y="1435100"/>
+            <a:ext cx="4011084" cy="4691063"/>
           </a:xfrm>
         </p:spPr>
         <p:txBody>
@@ -2210,6 +2209,7 @@
               <a:rPr lang="zh-TW" altLang="en-US" smtClean="0"/>
               <a:t>按一下以編輯母片文字樣式</a:t>
             </a:r>
+            <a:endParaRPr lang="zh-TW" altLang="en-US" smtClean="0"/>
           </a:p>
         </p:txBody>
       </p:sp>
@@ -2230,8 +2230,6 @@
           <a:p>
             <a:fld id="{DFBC76FB-F76A-46AD-B437-670A42281DAA}" type="datetimeFigureOut">
               <a:rPr lang="zh-TW" altLang="en-US" smtClean="0"/>
-              <a:pPr/>
-              <a:t>2018/5/19</a:t>
             </a:fld>
             <a:endParaRPr lang="zh-TW" altLang="en-US"/>
           </a:p>
@@ -2273,8 +2271,6 @@
           <a:p>
             <a:fld id="{535D5BFD-5323-4BDD-8D1B-A6DFC2EF8C4E}" type="slidenum">
               <a:rPr lang="zh-TW" altLang="en-US" smtClean="0"/>
-              <a:pPr/>
-              <a:t>‹#›</a:t>
             </a:fld>
             <a:endParaRPr lang="zh-TW" altLang="en-US"/>
           </a:p>
@@ -2317,8 +2313,8 @@
         </p:nvSpPr>
         <p:spPr>
           <a:xfrm>
-            <a:off x="1792288" y="4800600"/>
-            <a:ext cx="5486400" cy="566738"/>
+            <a:off x="2389717" y="4800600"/>
+            <a:ext cx="7315200" cy="566738"/>
           </a:xfrm>
         </p:spPr>
         <p:txBody>
@@ -2349,8 +2345,8 @@
         </p:nvSpPr>
         <p:spPr>
           <a:xfrm>
-            <a:off x="1792288" y="612775"/>
-            <a:ext cx="5486400" cy="4114800"/>
+            <a:off x="2389717" y="612775"/>
+            <a:ext cx="7315200" cy="4114800"/>
           </a:xfrm>
         </p:spPr>
         <p:txBody>
@@ -2414,8 +2410,8 @@
         </p:nvSpPr>
         <p:spPr>
           <a:xfrm>
-            <a:off x="1792288" y="5367338"/>
-            <a:ext cx="5486400" cy="804862"/>
+            <a:off x="2389717" y="5367338"/>
+            <a:ext cx="7315200" cy="804862"/>
           </a:xfrm>
         </p:spPr>
         <p:txBody>
@@ -2464,6 +2460,7 @@
               <a:rPr lang="zh-TW" altLang="en-US" smtClean="0"/>
               <a:t>按一下以編輯母片文字樣式</a:t>
             </a:r>
+            <a:endParaRPr lang="zh-TW" altLang="en-US" smtClean="0"/>
           </a:p>
         </p:txBody>
       </p:sp>
@@ -2484,8 +2481,6 @@
           <a:p>
             <a:fld id="{DFBC76FB-F76A-46AD-B437-670A42281DAA}" type="datetimeFigureOut">
               <a:rPr lang="zh-TW" altLang="en-US" smtClean="0"/>
-              <a:pPr/>
-              <a:t>2018/5/19</a:t>
             </a:fld>
             <a:endParaRPr lang="zh-TW" altLang="en-US"/>
           </a:p>
@@ -2527,8 +2522,6 @@
           <a:p>
             <a:fld id="{535D5BFD-5323-4BDD-8D1B-A6DFC2EF8C4E}" type="slidenum">
               <a:rPr lang="zh-TW" altLang="en-US" smtClean="0"/>
-              <a:pPr/>
-              <a:t>‹#›</a:t>
             </a:fld>
             <a:endParaRPr lang="zh-TW" altLang="en-US"/>
           </a:p>
@@ -2548,7 +2541,7 @@
     <p:bg>
       <p:bgPr>
         <a:blipFill dpi="0" rotWithShape="1">
-          <a:blip r:embed="rId13"/>
+          <a:blip r:embed="rId12"/>
           <a:srcRect/>
           <a:tile tx="0" ty="0" sx="100000" sy="100000" flip="none" algn="tl"/>
         </a:blipFill>
@@ -2581,8 +2574,8 @@
         </p:nvSpPr>
         <p:spPr>
           <a:xfrm>
-            <a:off x="457200" y="274638"/>
-            <a:ext cx="8229600" cy="1143000"/>
+            <a:off x="609600" y="274638"/>
+            <a:ext cx="10972800" cy="1143000"/>
           </a:xfrm>
           <a:prstGeom prst="rect">
             <a:avLst/>
@@ -2614,8 +2607,8 @@
         </p:nvSpPr>
         <p:spPr>
           <a:xfrm>
-            <a:off x="457200" y="1600200"/>
-            <a:ext cx="8229600" cy="4525963"/>
+            <a:off x="609600" y="1600200"/>
+            <a:ext cx="10972800" cy="4525963"/>
           </a:xfrm>
           <a:prstGeom prst="rect">
             <a:avLst/>
@@ -2632,6 +2625,7 @@
               <a:rPr lang="zh-TW" altLang="en-US" smtClean="0"/>
               <a:t>按一下以編輯母片文字樣式</a:t>
             </a:r>
+            <a:endParaRPr lang="zh-TW" altLang="en-US" smtClean="0"/>
           </a:p>
           <a:p>
             <a:pPr lvl="1"/>
@@ -2639,6 +2633,7 @@
               <a:rPr lang="zh-TW" altLang="en-US" smtClean="0"/>
               <a:t>第二層</a:t>
             </a:r>
+            <a:endParaRPr lang="zh-TW" altLang="en-US" smtClean="0"/>
           </a:p>
           <a:p>
             <a:pPr lvl="2"/>
@@ -2646,6 +2641,7 @@
               <a:rPr lang="zh-TW" altLang="en-US" smtClean="0"/>
               <a:t>第三層</a:t>
             </a:r>
+            <a:endParaRPr lang="zh-TW" altLang="en-US" smtClean="0"/>
           </a:p>
           <a:p>
             <a:pPr lvl="3"/>
@@ -2653,6 +2649,7 @@
               <a:rPr lang="zh-TW" altLang="en-US" smtClean="0"/>
               <a:t>第四層</a:t>
             </a:r>
+            <a:endParaRPr lang="zh-TW" altLang="en-US" smtClean="0"/>
           </a:p>
           <a:p>
             <a:pPr lvl="4"/>
@@ -2676,8 +2673,8 @@
         </p:nvSpPr>
         <p:spPr>
           <a:xfrm>
-            <a:off x="457200" y="6356350"/>
-            <a:ext cx="2133600" cy="365125"/>
+            <a:off x="609600" y="6356350"/>
+            <a:ext cx="2844800" cy="365125"/>
           </a:xfrm>
           <a:prstGeom prst="rect">
             <a:avLst/>
@@ -2699,8 +2696,6 @@
           <a:p>
             <a:fld id="{DFBC76FB-F76A-46AD-B437-670A42281DAA}" type="datetimeFigureOut">
               <a:rPr lang="zh-TW" altLang="en-US" smtClean="0"/>
-              <a:pPr/>
-              <a:t>2018/5/19</a:t>
             </a:fld>
             <a:endParaRPr lang="zh-TW" altLang="en-US"/>
           </a:p>
@@ -2718,8 +2713,8 @@
         </p:nvSpPr>
         <p:spPr>
           <a:xfrm>
-            <a:off x="3124200" y="6356350"/>
-            <a:ext cx="2895600" cy="365125"/>
+            <a:off x="4165600" y="6356350"/>
+            <a:ext cx="3860800" cy="365125"/>
           </a:xfrm>
           <a:prstGeom prst="rect">
             <a:avLst/>
@@ -2755,8 +2750,8 @@
         </p:nvSpPr>
         <p:spPr>
           <a:xfrm>
-            <a:off x="6553200" y="6356350"/>
-            <a:ext cx="2133600" cy="365125"/>
+            <a:off x="8737600" y="6356350"/>
+            <a:ext cx="2844800" cy="365125"/>
           </a:xfrm>
           <a:prstGeom prst="rect">
             <a:avLst/>
@@ -2778,8 +2773,6 @@
           <a:p>
             <a:fld id="{535D5BFD-5323-4BDD-8D1B-A6DFC2EF8C4E}" type="slidenum">
               <a:rPr lang="zh-TW" altLang="en-US" smtClean="0"/>
-              <a:pPr/>
-              <a:t>‹#›</a:t>
             </a:fld>
             <a:endParaRPr lang="zh-TW" altLang="en-US"/>
           </a:p>
@@ -2789,17 +2782,17 @@
   </p:cSld>
   <p:clrMap bg1="lt1" tx1="dk1" bg2="lt2" tx2="dk2" accent1="accent1" accent2="accent2" accent3="accent3" accent4="accent4" accent5="accent5" accent6="accent6" hlink="hlink" folHlink="folHlink"/>
   <p:sldLayoutIdLst>
-    <p:sldLayoutId id="2147483673" r:id="rId1"/>
-    <p:sldLayoutId id="2147483674" r:id="rId2"/>
-    <p:sldLayoutId id="2147483675" r:id="rId3"/>
-    <p:sldLayoutId id="2147483676" r:id="rId4"/>
-    <p:sldLayoutId id="2147483677" r:id="rId5"/>
-    <p:sldLayoutId id="2147483678" r:id="rId6"/>
-    <p:sldLayoutId id="2147483679" r:id="rId7"/>
-    <p:sldLayoutId id="2147483680" r:id="rId8"/>
-    <p:sldLayoutId id="2147483681" r:id="rId9"/>
-    <p:sldLayoutId id="2147483682" r:id="rId10"/>
-    <p:sldLayoutId id="2147483683" r:id="rId11"/>
+    <p:sldLayoutId id="2147483649" r:id="rId1"/>
+    <p:sldLayoutId id="2147483650" r:id="rId2"/>
+    <p:sldLayoutId id="2147483651" r:id="rId3"/>
+    <p:sldLayoutId id="2147483652" r:id="rId4"/>
+    <p:sldLayoutId id="2147483653" r:id="rId5"/>
+    <p:sldLayoutId id="2147483654" r:id="rId6"/>
+    <p:sldLayoutId id="2147483655" r:id="rId7"/>
+    <p:sldLayoutId id="2147483656" r:id="rId8"/>
+    <p:sldLayoutId id="2147483657" r:id="rId9"/>
+    <p:sldLayoutId id="2147483658" r:id="rId10"/>
+    <p:sldLayoutId id="2147483659" r:id="rId11"/>
   </p:sldLayoutIdLst>
   <p:txStyles>
     <p:titleStyle>
@@ -2823,7 +2816,7 @@
         <a:spcBef>
           <a:spcPct val="20000"/>
         </a:spcBef>
-        <a:buFont typeface="Arial" pitchFamily="34" charset="0"/>
+        <a:buFont typeface="Arial" panose="02080604020202020204" pitchFamily="34" charset="0"/>
         <a:buChar char="•"/>
         <a:defRPr sz="3200" kern="1200">
           <a:solidFill>
@@ -2838,7 +2831,7 @@
         <a:spcBef>
           <a:spcPct val="20000"/>
         </a:spcBef>
-        <a:buFont typeface="Arial" pitchFamily="34" charset="0"/>
+        <a:buFont typeface="Arial" panose="02080604020202020204" pitchFamily="34" charset="0"/>
         <a:buChar char="–"/>
         <a:defRPr sz="2800" kern="1200">
           <a:solidFill>
@@ -2853,7 +2846,7 @@
         <a:spcBef>
           <a:spcPct val="20000"/>
         </a:spcBef>
-        <a:buFont typeface="Arial" pitchFamily="34" charset="0"/>
+        <a:buFont typeface="Arial" panose="02080604020202020204" pitchFamily="34" charset="0"/>
         <a:buChar char="•"/>
         <a:defRPr sz="2400" kern="1200">
           <a:solidFill>
@@ -2868,7 +2861,7 @@
         <a:spcBef>
           <a:spcPct val="20000"/>
         </a:spcBef>
-        <a:buFont typeface="Arial" pitchFamily="34" charset="0"/>
+        <a:buFont typeface="Arial" panose="02080604020202020204" pitchFamily="34" charset="0"/>
         <a:buChar char="–"/>
         <a:defRPr sz="2000" kern="1200">
           <a:solidFill>
@@ -2883,7 +2876,7 @@
         <a:spcBef>
           <a:spcPct val="20000"/>
         </a:spcBef>
-        <a:buFont typeface="Arial" pitchFamily="34" charset="0"/>
+        <a:buFont typeface="Arial" panose="02080604020202020204" pitchFamily="34" charset="0"/>
         <a:buChar char="»"/>
         <a:defRPr sz="2000" kern="1200">
           <a:solidFill>
@@ -2898,7 +2891,7 @@
         <a:spcBef>
           <a:spcPct val="20000"/>
         </a:spcBef>
-        <a:buFont typeface="Arial" pitchFamily="34" charset="0"/>
+        <a:buFont typeface="Arial" panose="02080604020202020204" pitchFamily="34" charset="0"/>
         <a:buChar char="•"/>
         <a:defRPr sz="2000" kern="1200">
           <a:solidFill>
@@ -2913,7 +2906,7 @@
         <a:spcBef>
           <a:spcPct val="20000"/>
         </a:spcBef>
-        <a:buFont typeface="Arial" pitchFamily="34" charset="0"/>
+        <a:buFont typeface="Arial" panose="02080604020202020204" pitchFamily="34" charset="0"/>
         <a:buChar char="•"/>
         <a:defRPr sz="2000" kern="1200">
           <a:solidFill>
@@ -2928,7 +2921,7 @@
         <a:spcBef>
           <a:spcPct val="20000"/>
         </a:spcBef>
-        <a:buFont typeface="Arial" pitchFamily="34" charset="0"/>
+        <a:buFont typeface="Arial" panose="02080604020202020204" pitchFamily="34" charset="0"/>
         <a:buChar char="•"/>
         <a:defRPr sz="2000" kern="1200">
           <a:solidFill>
@@ -2943,7 +2936,7 @@
         <a:spcBef>
           <a:spcPct val="20000"/>
         </a:spcBef>
-        <a:buFont typeface="Arial" pitchFamily="34" charset="0"/>
+        <a:buFont typeface="Arial" panose="02080604020202020204" pitchFamily="34" charset="0"/>
         <a:buChar char="•"/>
         <a:defRPr sz="2000" kern="1200">
           <a:solidFill>
@@ -3498,6 +3491,13 @@
               </a:rPr>
               <a:t>護送</a:t>
             </a:r>
+            <a:endParaRPr lang="zh-TW" altLang="en-US" sz="5400" b="1" dirty="0">
+              <a:solidFill>
+                <a:srgbClr val="000066"/>
+              </a:solidFill>
+              <a:latin typeface="微軟正黑體" pitchFamily="34" charset="-120"/>
+              <a:ea typeface="微軟正黑體" pitchFamily="34" charset="-120"/>
+            </a:endParaRPr>
           </a:p>
         </p:txBody>
       </p:sp>
@@ -3573,7 +3573,7 @@
         </p:nvSpPr>
         <p:spPr>
           <a:xfrm>
-            <a:off x="0" y="1600200"/>
+            <a:off x="1524000" y="1600200"/>
             <a:ext cx="9144000" cy="4525963"/>
           </a:xfrm>
         </p:spPr>
@@ -3762,6 +3762,13 @@
               </a:rPr>
               <a:t>沒變改</a:t>
             </a:r>
+            <a:endParaRPr lang="zh-TW" altLang="en-US" sz="5400" b="1" dirty="0">
+              <a:solidFill>
+                <a:srgbClr val="000066"/>
+              </a:solidFill>
+              <a:latin typeface="微軟正黑體" pitchFamily="34" charset="-120"/>
+              <a:ea typeface="微軟正黑體" pitchFamily="34" charset="-120"/>
+            </a:endParaRPr>
           </a:p>
         </p:txBody>
       </p:sp>
@@ -3837,7 +3844,7 @@
         </p:nvSpPr>
         <p:spPr>
           <a:xfrm>
-            <a:off x="0" y="1600200"/>
+            <a:off x="1524000" y="1600200"/>
             <a:ext cx="9144000" cy="4525963"/>
           </a:xfrm>
         </p:spPr>
@@ -4026,6 +4033,13 @@
               </a:rPr>
               <a:t>是愛</a:t>
             </a:r>
+            <a:endParaRPr lang="zh-TW" altLang="en-US" sz="5400" b="1" dirty="0">
+              <a:solidFill>
+                <a:srgbClr val="000066"/>
+              </a:solidFill>
+              <a:latin typeface="微軟正黑體" pitchFamily="34" charset="-120"/>
+              <a:ea typeface="微軟正黑體" pitchFamily="34" charset="-120"/>
+            </a:endParaRPr>
           </a:p>
         </p:txBody>
       </p:sp>
@@ -4315,7 +4329,10 @@
       </a:bgFillStyleLst>
     </a:fmtScheme>
   </a:themeElements>
-  <a:objectDefaults/>
-  <a:extraClrSchemeLst/>
+  <a:extLst>
+    <a:ext uri="{05A4C25C-085E-4340-85A3-A5531E510DB2}">
+      <thm15:themeFamily xmlns:thm15="http://schemas.microsoft.com/office/thememl/2012/main" name="Office Theme" id="{62F939B6-93AF-4DB8-9C6B-D6C7DFDC589F}" vid="{4A3C46E8-61CC-4603-A589-7422A47A8E4A}"/>
+    </a:ext>
+  </a:extLst>
 </a:theme>
 </file>
--- a/天天歌唱.pptx
+++ b/天天歌唱.pptx
@@ -5,10 +5,10 @@
     <p:sldMasterId id="2147483648" r:id="rId1"/>
   </p:sldMasterIdLst>
   <p:sldIdLst>
-    <p:sldId id="256" r:id="rId3"/>
-    <p:sldId id="257" r:id="rId4"/>
-    <p:sldId id="258" r:id="rId5"/>
-    <p:sldId id="259" r:id="rId6"/>
+    <p:sldId id="256" r:id="rId2"/>
+    <p:sldId id="257" r:id="rId3"/>
+    <p:sldId id="258" r:id="rId4"/>
+    <p:sldId id="259" r:id="rId5"/>
   </p:sldIdLst>
   <p:sldSz cx="12192000" cy="6858000"/>
   <p:notesSz cx="6858000" cy="9144000"/>
@@ -107,6 +107,22 @@
       </a:defRPr>
     </a:lvl9pPr>
   </p:defaultTextStyle>
+  <p:extLst>
+    <p:ext uri="{EFAFB233-063F-42B5-8137-9DF3F51BA10A}">
+      <p15:sldGuideLst xmlns:p15="http://schemas.microsoft.com/office/powerpoint/2012/main">
+        <p15:guide id="1" orient="horz" pos="2160">
+          <p15:clr>
+            <a:srgbClr val="A4A3A4"/>
+          </p15:clr>
+        </p15:guide>
+        <p15:guide id="2" pos="3840">
+          <p15:clr>
+            <a:srgbClr val="A4A3A4"/>
+          </p15:clr>
+        </p15:guide>
+      </p15:sldGuideLst>
+    </p:ext>
+  </p:extLst>
 </p:presentation>
 </file>
 
@@ -291,6 +307,7 @@
           <a:p>
             <a:fld id="{DFBC76FB-F76A-46AD-B437-670A42281DAA}" type="datetimeFigureOut">
               <a:rPr lang="zh-TW" altLang="en-US" smtClean="0"/>
+              <a:t>2020/8/8</a:t>
             </a:fld>
             <a:endParaRPr lang="zh-TW" altLang="en-US"/>
           </a:p>
@@ -332,6 +349,7 @@
           <a:p>
             <a:fld id="{535D5BFD-5323-4BDD-8D1B-A6DFC2EF8C4E}" type="slidenum">
               <a:rPr lang="zh-TW" altLang="en-US" smtClean="0"/>
+              <a:t>‹#›</a:t>
             </a:fld>
             <a:endParaRPr lang="zh-TW" altLang="en-US"/>
           </a:p>
@@ -405,7 +423,6 @@
               <a:rPr lang="zh-TW" altLang="en-US" smtClean="0"/>
               <a:t>按一下以編輯母片文字樣式</a:t>
             </a:r>
-            <a:endParaRPr lang="zh-TW" altLang="en-US" smtClean="0"/>
           </a:p>
           <a:p>
             <a:pPr lvl="1"/>
@@ -413,7 +430,6 @@
               <a:rPr lang="zh-TW" altLang="en-US" smtClean="0"/>
               <a:t>第二層</a:t>
             </a:r>
-            <a:endParaRPr lang="zh-TW" altLang="en-US" smtClean="0"/>
           </a:p>
           <a:p>
             <a:pPr lvl="2"/>
@@ -421,7 +437,6 @@
               <a:rPr lang="zh-TW" altLang="en-US" smtClean="0"/>
               <a:t>第三層</a:t>
             </a:r>
-            <a:endParaRPr lang="zh-TW" altLang="en-US" smtClean="0"/>
           </a:p>
           <a:p>
             <a:pPr lvl="3"/>
@@ -429,7 +444,6 @@
               <a:rPr lang="zh-TW" altLang="en-US" smtClean="0"/>
               <a:t>第四層</a:t>
             </a:r>
-            <a:endParaRPr lang="zh-TW" altLang="en-US" smtClean="0"/>
           </a:p>
           <a:p>
             <a:pPr lvl="4"/>
@@ -458,6 +472,7 @@
           <a:p>
             <a:fld id="{DFBC76FB-F76A-46AD-B437-670A42281DAA}" type="datetimeFigureOut">
               <a:rPr lang="zh-TW" altLang="en-US" smtClean="0"/>
+              <a:t>2020/8/8</a:t>
             </a:fld>
             <a:endParaRPr lang="zh-TW" altLang="en-US"/>
           </a:p>
@@ -499,6 +514,7 @@
           <a:p>
             <a:fld id="{535D5BFD-5323-4BDD-8D1B-A6DFC2EF8C4E}" type="slidenum">
               <a:rPr lang="zh-TW" altLang="en-US" smtClean="0"/>
+              <a:t>‹#›</a:t>
             </a:fld>
             <a:endParaRPr lang="zh-TW" altLang="en-US"/>
           </a:p>
@@ -582,7 +598,6 @@
               <a:rPr lang="zh-TW" altLang="en-US" smtClean="0"/>
               <a:t>按一下以編輯母片文字樣式</a:t>
             </a:r>
-            <a:endParaRPr lang="zh-TW" altLang="en-US" smtClean="0"/>
           </a:p>
           <a:p>
             <a:pPr lvl="1"/>
@@ -590,7 +605,6 @@
               <a:rPr lang="zh-TW" altLang="en-US" smtClean="0"/>
               <a:t>第二層</a:t>
             </a:r>
-            <a:endParaRPr lang="zh-TW" altLang="en-US" smtClean="0"/>
           </a:p>
           <a:p>
             <a:pPr lvl="2"/>
@@ -598,7 +612,6 @@
               <a:rPr lang="zh-TW" altLang="en-US" smtClean="0"/>
               <a:t>第三層</a:t>
             </a:r>
-            <a:endParaRPr lang="zh-TW" altLang="en-US" smtClean="0"/>
           </a:p>
           <a:p>
             <a:pPr lvl="3"/>
@@ -606,7 +619,6 @@
               <a:rPr lang="zh-TW" altLang="en-US" smtClean="0"/>
               <a:t>第四層</a:t>
             </a:r>
-            <a:endParaRPr lang="zh-TW" altLang="en-US" smtClean="0"/>
           </a:p>
           <a:p>
             <a:pPr lvl="4"/>
@@ -635,6 +647,7 @@
           <a:p>
             <a:fld id="{DFBC76FB-F76A-46AD-B437-670A42281DAA}" type="datetimeFigureOut">
               <a:rPr lang="zh-TW" altLang="en-US" smtClean="0"/>
+              <a:t>2020/8/8</a:t>
             </a:fld>
             <a:endParaRPr lang="zh-TW" altLang="en-US"/>
           </a:p>
@@ -676,6 +689,7 @@
           <a:p>
             <a:fld id="{535D5BFD-5323-4BDD-8D1B-A6DFC2EF8C4E}" type="slidenum">
               <a:rPr lang="zh-TW" altLang="en-US" smtClean="0"/>
+              <a:t>‹#›</a:t>
             </a:fld>
             <a:endParaRPr lang="zh-TW" altLang="en-US"/>
           </a:p>
@@ -749,7 +763,6 @@
               <a:rPr lang="zh-TW" altLang="en-US" smtClean="0"/>
               <a:t>按一下以編輯母片文字樣式</a:t>
             </a:r>
-            <a:endParaRPr lang="zh-TW" altLang="en-US" smtClean="0"/>
           </a:p>
           <a:p>
             <a:pPr lvl="1"/>
@@ -757,7 +770,6 @@
               <a:rPr lang="zh-TW" altLang="en-US" smtClean="0"/>
               <a:t>第二層</a:t>
             </a:r>
-            <a:endParaRPr lang="zh-TW" altLang="en-US" smtClean="0"/>
           </a:p>
           <a:p>
             <a:pPr lvl="2"/>
@@ -765,7 +777,6 @@
               <a:rPr lang="zh-TW" altLang="en-US" smtClean="0"/>
               <a:t>第三層</a:t>
             </a:r>
-            <a:endParaRPr lang="zh-TW" altLang="en-US" smtClean="0"/>
           </a:p>
           <a:p>
             <a:pPr lvl="3"/>
@@ -773,7 +784,6 @@
               <a:rPr lang="zh-TW" altLang="en-US" smtClean="0"/>
               <a:t>第四層</a:t>
             </a:r>
-            <a:endParaRPr lang="zh-TW" altLang="en-US" smtClean="0"/>
           </a:p>
           <a:p>
             <a:pPr lvl="4"/>
@@ -802,6 +812,7 @@
           <a:p>
             <a:fld id="{DFBC76FB-F76A-46AD-B437-670A42281DAA}" type="datetimeFigureOut">
               <a:rPr lang="zh-TW" altLang="en-US" smtClean="0"/>
+              <a:t>2020/8/8</a:t>
             </a:fld>
             <a:endParaRPr lang="zh-TW" altLang="en-US"/>
           </a:p>
@@ -843,6 +854,7 @@
           <a:p>
             <a:fld id="{535D5BFD-5323-4BDD-8D1B-A6DFC2EF8C4E}" type="slidenum">
               <a:rPr lang="zh-TW" altLang="en-US" smtClean="0"/>
+              <a:t>‹#›</a:t>
             </a:fld>
             <a:endParaRPr lang="zh-TW" altLang="en-US"/>
           </a:p>
@@ -1021,7 +1033,6 @@
               <a:rPr lang="zh-TW" altLang="en-US" smtClean="0"/>
               <a:t>按一下以編輯母片文字樣式</a:t>
             </a:r>
-            <a:endParaRPr lang="zh-TW" altLang="en-US" smtClean="0"/>
           </a:p>
         </p:txBody>
       </p:sp>
@@ -1042,6 +1053,7 @@
           <a:p>
             <a:fld id="{DFBC76FB-F76A-46AD-B437-670A42281DAA}" type="datetimeFigureOut">
               <a:rPr lang="zh-TW" altLang="en-US" smtClean="0"/>
+              <a:t>2020/8/8</a:t>
             </a:fld>
             <a:endParaRPr lang="zh-TW" altLang="en-US"/>
           </a:p>
@@ -1083,6 +1095,7 @@
           <a:p>
             <a:fld id="{535D5BFD-5323-4BDD-8D1B-A6DFC2EF8C4E}" type="slidenum">
               <a:rPr lang="zh-TW" altLang="en-US" smtClean="0"/>
+              <a:t>‹#›</a:t>
             </a:fld>
             <a:endParaRPr lang="zh-TW" altLang="en-US"/>
           </a:p>
@@ -1189,7 +1202,6 @@
               <a:rPr lang="zh-TW" altLang="en-US" smtClean="0"/>
               <a:t>按一下以編輯母片文字樣式</a:t>
             </a:r>
-            <a:endParaRPr lang="zh-TW" altLang="en-US" smtClean="0"/>
           </a:p>
           <a:p>
             <a:pPr lvl="1"/>
@@ -1197,7 +1209,6 @@
               <a:rPr lang="zh-TW" altLang="en-US" smtClean="0"/>
               <a:t>第二層</a:t>
             </a:r>
-            <a:endParaRPr lang="zh-TW" altLang="en-US" smtClean="0"/>
           </a:p>
           <a:p>
             <a:pPr lvl="2"/>
@@ -1205,7 +1216,6 @@
               <a:rPr lang="zh-TW" altLang="en-US" smtClean="0"/>
               <a:t>第三層</a:t>
             </a:r>
-            <a:endParaRPr lang="zh-TW" altLang="en-US" smtClean="0"/>
           </a:p>
           <a:p>
             <a:pPr lvl="3"/>
@@ -1213,7 +1223,6 @@
               <a:rPr lang="zh-TW" altLang="en-US" smtClean="0"/>
               <a:t>第四層</a:t>
             </a:r>
-            <a:endParaRPr lang="zh-TW" altLang="en-US" smtClean="0"/>
           </a:p>
           <a:p>
             <a:pPr lvl="4"/>
@@ -1278,7 +1287,6 @@
               <a:rPr lang="zh-TW" altLang="en-US" smtClean="0"/>
               <a:t>按一下以編輯母片文字樣式</a:t>
             </a:r>
-            <a:endParaRPr lang="zh-TW" altLang="en-US" smtClean="0"/>
           </a:p>
           <a:p>
             <a:pPr lvl="1"/>
@@ -1286,7 +1294,6 @@
               <a:rPr lang="zh-TW" altLang="en-US" smtClean="0"/>
               <a:t>第二層</a:t>
             </a:r>
-            <a:endParaRPr lang="zh-TW" altLang="en-US" smtClean="0"/>
           </a:p>
           <a:p>
             <a:pPr lvl="2"/>
@@ -1294,7 +1301,6 @@
               <a:rPr lang="zh-TW" altLang="en-US" smtClean="0"/>
               <a:t>第三層</a:t>
             </a:r>
-            <a:endParaRPr lang="zh-TW" altLang="en-US" smtClean="0"/>
           </a:p>
           <a:p>
             <a:pPr lvl="3"/>
@@ -1302,7 +1308,6 @@
               <a:rPr lang="zh-TW" altLang="en-US" smtClean="0"/>
               <a:t>第四層</a:t>
             </a:r>
-            <a:endParaRPr lang="zh-TW" altLang="en-US" smtClean="0"/>
           </a:p>
           <a:p>
             <a:pPr lvl="4"/>
@@ -1331,6 +1336,7 @@
           <a:p>
             <a:fld id="{DFBC76FB-F76A-46AD-B437-670A42281DAA}" type="datetimeFigureOut">
               <a:rPr lang="zh-TW" altLang="en-US" smtClean="0"/>
+              <a:t>2020/8/8</a:t>
             </a:fld>
             <a:endParaRPr lang="zh-TW" altLang="en-US"/>
           </a:p>
@@ -1372,6 +1378,7 @@
           <a:p>
             <a:fld id="{535D5BFD-5323-4BDD-8D1B-A6DFC2EF8C4E}" type="slidenum">
               <a:rPr lang="zh-TW" altLang="en-US" smtClean="0"/>
+              <a:t>‹#›</a:t>
             </a:fld>
             <a:endParaRPr lang="zh-TW" altLang="en-US"/>
           </a:p>
@@ -1491,7 +1498,6 @@
               <a:rPr lang="zh-TW" altLang="en-US" smtClean="0"/>
               <a:t>按一下以編輯母片文字樣式</a:t>
             </a:r>
-            <a:endParaRPr lang="zh-TW" altLang="en-US" smtClean="0"/>
           </a:p>
         </p:txBody>
       </p:sp>
@@ -1548,7 +1554,6 @@
               <a:rPr lang="zh-TW" altLang="en-US" smtClean="0"/>
               <a:t>按一下以編輯母片文字樣式</a:t>
             </a:r>
-            <a:endParaRPr lang="zh-TW" altLang="en-US" smtClean="0"/>
           </a:p>
           <a:p>
             <a:pPr lvl="1"/>
@@ -1556,7 +1561,6 @@
               <a:rPr lang="zh-TW" altLang="en-US" smtClean="0"/>
               <a:t>第二層</a:t>
             </a:r>
-            <a:endParaRPr lang="zh-TW" altLang="en-US" smtClean="0"/>
           </a:p>
           <a:p>
             <a:pPr lvl="2"/>
@@ -1564,7 +1568,6 @@
               <a:rPr lang="zh-TW" altLang="en-US" smtClean="0"/>
               <a:t>第三層</a:t>
             </a:r>
-            <a:endParaRPr lang="zh-TW" altLang="en-US" smtClean="0"/>
           </a:p>
           <a:p>
             <a:pPr lvl="3"/>
@@ -1572,7 +1575,6 @@
               <a:rPr lang="zh-TW" altLang="en-US" smtClean="0"/>
               <a:t>第四層</a:t>
             </a:r>
-            <a:endParaRPr lang="zh-TW" altLang="en-US" smtClean="0"/>
           </a:p>
           <a:p>
             <a:pPr lvl="4"/>
@@ -1646,7 +1648,6 @@
               <a:rPr lang="zh-TW" altLang="en-US" smtClean="0"/>
               <a:t>按一下以編輯母片文字樣式</a:t>
             </a:r>
-            <a:endParaRPr lang="zh-TW" altLang="en-US" smtClean="0"/>
           </a:p>
         </p:txBody>
       </p:sp>
@@ -1703,7 +1704,6 @@
               <a:rPr lang="zh-TW" altLang="en-US" smtClean="0"/>
               <a:t>按一下以編輯母片文字樣式</a:t>
             </a:r>
-            <a:endParaRPr lang="zh-TW" altLang="en-US" smtClean="0"/>
           </a:p>
           <a:p>
             <a:pPr lvl="1"/>
@@ -1711,7 +1711,6 @@
               <a:rPr lang="zh-TW" altLang="en-US" smtClean="0"/>
               <a:t>第二層</a:t>
             </a:r>
-            <a:endParaRPr lang="zh-TW" altLang="en-US" smtClean="0"/>
           </a:p>
           <a:p>
             <a:pPr lvl="2"/>
@@ -1719,7 +1718,6 @@
               <a:rPr lang="zh-TW" altLang="en-US" smtClean="0"/>
               <a:t>第三層</a:t>
             </a:r>
-            <a:endParaRPr lang="zh-TW" altLang="en-US" smtClean="0"/>
           </a:p>
           <a:p>
             <a:pPr lvl="3"/>
@@ -1727,7 +1725,6 @@
               <a:rPr lang="zh-TW" altLang="en-US" smtClean="0"/>
               <a:t>第四層</a:t>
             </a:r>
-            <a:endParaRPr lang="zh-TW" altLang="en-US" smtClean="0"/>
           </a:p>
           <a:p>
             <a:pPr lvl="4"/>
@@ -1756,6 +1753,7 @@
           <a:p>
             <a:fld id="{DFBC76FB-F76A-46AD-B437-670A42281DAA}" type="datetimeFigureOut">
               <a:rPr lang="zh-TW" altLang="en-US" smtClean="0"/>
+              <a:t>2020/8/8</a:t>
             </a:fld>
             <a:endParaRPr lang="zh-TW" altLang="en-US"/>
           </a:p>
@@ -1797,6 +1795,7 @@
           <a:p>
             <a:fld id="{535D5BFD-5323-4BDD-8D1B-A6DFC2EF8C4E}" type="slidenum">
               <a:rPr lang="zh-TW" altLang="en-US" smtClean="0"/>
+              <a:t>‹#›</a:t>
             </a:fld>
             <a:endParaRPr lang="zh-TW" altLang="en-US"/>
           </a:p>
@@ -1867,6 +1866,7 @@
           <a:p>
             <a:fld id="{DFBC76FB-F76A-46AD-B437-670A42281DAA}" type="datetimeFigureOut">
               <a:rPr lang="zh-TW" altLang="en-US" smtClean="0"/>
+              <a:t>2020/8/8</a:t>
             </a:fld>
             <a:endParaRPr lang="zh-TW" altLang="en-US"/>
           </a:p>
@@ -1908,6 +1908,7 @@
           <a:p>
             <a:fld id="{535D5BFD-5323-4BDD-8D1B-A6DFC2EF8C4E}" type="slidenum">
               <a:rPr lang="zh-TW" altLang="en-US" smtClean="0"/>
+              <a:t>‹#›</a:t>
             </a:fld>
             <a:endParaRPr lang="zh-TW" altLang="en-US"/>
           </a:p>
@@ -1955,6 +1956,7 @@
           <a:p>
             <a:fld id="{DFBC76FB-F76A-46AD-B437-670A42281DAA}" type="datetimeFigureOut">
               <a:rPr lang="zh-TW" altLang="en-US" smtClean="0"/>
+              <a:t>2020/8/8</a:t>
             </a:fld>
             <a:endParaRPr lang="zh-TW" altLang="en-US"/>
           </a:p>
@@ -1996,6 +1998,7 @@
           <a:p>
             <a:fld id="{535D5BFD-5323-4BDD-8D1B-A6DFC2EF8C4E}" type="slidenum">
               <a:rPr lang="zh-TW" altLang="en-US" smtClean="0"/>
+              <a:t>‹#›</a:t>
             </a:fld>
             <a:endParaRPr lang="zh-TW" altLang="en-US"/>
           </a:p>
@@ -2111,7 +2114,6 @@
               <a:rPr lang="zh-TW" altLang="en-US" smtClean="0"/>
               <a:t>按一下以編輯母片文字樣式</a:t>
             </a:r>
-            <a:endParaRPr lang="zh-TW" altLang="en-US" smtClean="0"/>
           </a:p>
           <a:p>
             <a:pPr lvl="1"/>
@@ -2119,7 +2121,6 @@
               <a:rPr lang="zh-TW" altLang="en-US" smtClean="0"/>
               <a:t>第二層</a:t>
             </a:r>
-            <a:endParaRPr lang="zh-TW" altLang="en-US" smtClean="0"/>
           </a:p>
           <a:p>
             <a:pPr lvl="2"/>
@@ -2127,7 +2128,6 @@
               <a:rPr lang="zh-TW" altLang="en-US" smtClean="0"/>
               <a:t>第三層</a:t>
             </a:r>
-            <a:endParaRPr lang="zh-TW" altLang="en-US" smtClean="0"/>
           </a:p>
           <a:p>
             <a:pPr lvl="3"/>
@@ -2135,7 +2135,6 @@
               <a:rPr lang="zh-TW" altLang="en-US" smtClean="0"/>
               <a:t>第四層</a:t>
             </a:r>
-            <a:endParaRPr lang="zh-TW" altLang="en-US" smtClean="0"/>
           </a:p>
           <a:p>
             <a:pPr lvl="4"/>
@@ -2209,7 +2208,6 @@
               <a:rPr lang="zh-TW" altLang="en-US" smtClean="0"/>
               <a:t>按一下以編輯母片文字樣式</a:t>
             </a:r>
-            <a:endParaRPr lang="zh-TW" altLang="en-US" smtClean="0"/>
           </a:p>
         </p:txBody>
       </p:sp>
@@ -2230,6 +2228,7 @@
           <a:p>
             <a:fld id="{DFBC76FB-F76A-46AD-B437-670A42281DAA}" type="datetimeFigureOut">
               <a:rPr lang="zh-TW" altLang="en-US" smtClean="0"/>
+              <a:t>2020/8/8</a:t>
             </a:fld>
             <a:endParaRPr lang="zh-TW" altLang="en-US"/>
           </a:p>
@@ -2271,6 +2270,7 @@
           <a:p>
             <a:fld id="{535D5BFD-5323-4BDD-8D1B-A6DFC2EF8C4E}" type="slidenum">
               <a:rPr lang="zh-TW" altLang="en-US" smtClean="0"/>
+              <a:t>‹#›</a:t>
             </a:fld>
             <a:endParaRPr lang="zh-TW" altLang="en-US"/>
           </a:p>
@@ -2460,7 +2460,6 @@
               <a:rPr lang="zh-TW" altLang="en-US" smtClean="0"/>
               <a:t>按一下以編輯母片文字樣式</a:t>
             </a:r>
-            <a:endParaRPr lang="zh-TW" altLang="en-US" smtClean="0"/>
           </a:p>
         </p:txBody>
       </p:sp>
@@ -2481,6 +2480,7 @@
           <a:p>
             <a:fld id="{DFBC76FB-F76A-46AD-B437-670A42281DAA}" type="datetimeFigureOut">
               <a:rPr lang="zh-TW" altLang="en-US" smtClean="0"/>
+              <a:t>2020/8/8</a:t>
             </a:fld>
             <a:endParaRPr lang="zh-TW" altLang="en-US"/>
           </a:p>
@@ -2522,6 +2522,7 @@
           <a:p>
             <a:fld id="{535D5BFD-5323-4BDD-8D1B-A6DFC2EF8C4E}" type="slidenum">
               <a:rPr lang="zh-TW" altLang="en-US" smtClean="0"/>
+              <a:t>‹#›</a:t>
             </a:fld>
             <a:endParaRPr lang="zh-TW" altLang="en-US"/>
           </a:p>
@@ -2541,7 +2542,7 @@
     <p:bg>
       <p:bgPr>
         <a:blipFill dpi="0" rotWithShape="1">
-          <a:blip r:embed="rId12"/>
+          <a:blip r:embed="rId13"/>
           <a:srcRect/>
           <a:tile tx="0" ty="0" sx="100000" sy="100000" flip="none" algn="tl"/>
         </a:blipFill>
@@ -2625,7 +2626,6 @@
               <a:rPr lang="zh-TW" altLang="en-US" smtClean="0"/>
               <a:t>按一下以編輯母片文字樣式</a:t>
             </a:r>
-            <a:endParaRPr lang="zh-TW" altLang="en-US" smtClean="0"/>
           </a:p>
           <a:p>
             <a:pPr lvl="1"/>
@@ -2633,7 +2633,6 @@
               <a:rPr lang="zh-TW" altLang="en-US" smtClean="0"/>
               <a:t>第二層</a:t>
             </a:r>
-            <a:endParaRPr lang="zh-TW" altLang="en-US" smtClean="0"/>
           </a:p>
           <a:p>
             <a:pPr lvl="2"/>
@@ -2641,7 +2640,6 @@
               <a:rPr lang="zh-TW" altLang="en-US" smtClean="0"/>
               <a:t>第三層</a:t>
             </a:r>
-            <a:endParaRPr lang="zh-TW" altLang="en-US" smtClean="0"/>
           </a:p>
           <a:p>
             <a:pPr lvl="3"/>
@@ -2649,7 +2647,6 @@
               <a:rPr lang="zh-TW" altLang="en-US" smtClean="0"/>
               <a:t>第四層</a:t>
             </a:r>
-            <a:endParaRPr lang="zh-TW" altLang="en-US" smtClean="0"/>
           </a:p>
           <a:p>
             <a:pPr lvl="4"/>
@@ -2696,6 +2693,7 @@
           <a:p>
             <a:fld id="{DFBC76FB-F76A-46AD-B437-670A42281DAA}" type="datetimeFigureOut">
               <a:rPr lang="zh-TW" altLang="en-US" smtClean="0"/>
+              <a:t>2020/8/8</a:t>
             </a:fld>
             <a:endParaRPr lang="zh-TW" altLang="en-US"/>
           </a:p>
@@ -2773,6 +2771,7 @@
           <a:p>
             <a:fld id="{535D5BFD-5323-4BDD-8D1B-A6DFC2EF8C4E}" type="slidenum">
               <a:rPr lang="zh-TW" altLang="en-US" smtClean="0"/>
+              <a:t>‹#›</a:t>
             </a:fld>
             <a:endParaRPr lang="zh-TW" altLang="en-US"/>
           </a:p>
@@ -3398,6 +3397,26 @@
               <a:t>有</a:t>
             </a:r>
             <a:r>
+              <a:rPr lang="zh-CN" altLang="en-US" sz="5400" b="1" dirty="0">
+                <a:solidFill>
+                  <a:srgbClr val="000066"/>
+                </a:solidFill>
+                <a:latin typeface="微軟正黑體" pitchFamily="34" charset="-120"/>
+                <a:ea typeface="微軟正黑體" pitchFamily="34" charset="-120"/>
+              </a:rPr>
+              <a:t>袮</a:t>
+            </a:r>
+            <a:r>
+              <a:rPr lang="zh-TW" altLang="en-US" sz="5400" b="1" dirty="0" smtClean="0">
+                <a:solidFill>
+                  <a:srgbClr val="000066"/>
+                </a:solidFill>
+                <a:latin typeface="微軟正黑體" pitchFamily="34" charset="-120"/>
+                <a:ea typeface="微軟正黑體" pitchFamily="34" charset="-120"/>
+              </a:rPr>
+              <a:t>結</a:t>
+            </a:r>
+            <a:r>
               <a:rPr lang="zh-TW" altLang="en-US" sz="5400" b="1" dirty="0">
                 <a:solidFill>
                   <a:srgbClr val="000066"/>
@@ -3405,7 +3424,7 @@
                 <a:latin typeface="微軟正黑體" pitchFamily="34" charset="-120"/>
                 <a:ea typeface="微軟正黑體" pitchFamily="34" charset="-120"/>
               </a:rPr>
-              <a:t>你結伴每刻恩典</a:t>
+              <a:t>伴每刻恩典</a:t>
             </a:r>
             <a:r>
               <a:rPr lang="zh-TW" altLang="en-US" sz="5400" b="1" dirty="0" smtClean="0">
@@ -3479,7 +3498,37 @@
                 <a:latin typeface="微軟正黑體" pitchFamily="34" charset="-120"/>
                 <a:ea typeface="微軟正黑體" pitchFamily="34" charset="-120"/>
               </a:rPr>
-              <a:t>何妨澎湃洶湧  你</a:t>
+              <a:t>何妨澎湃洶</a:t>
+            </a:r>
+            <a:r>
+              <a:rPr lang="zh-TW" altLang="en-US" sz="5400" b="1" dirty="0" smtClean="0">
+                <a:solidFill>
+                  <a:srgbClr val="000066"/>
+                </a:solidFill>
+                <a:latin typeface="微軟正黑體" pitchFamily="34" charset="-120"/>
+                <a:ea typeface="微軟正黑體" pitchFamily="34" charset="-120"/>
+              </a:rPr>
+              <a:t>湧  </a:t>
+            </a:r>
+            <a:r>
+              <a:rPr lang="zh-CN" altLang="en-US" sz="5400" b="1" dirty="0" smtClean="0">
+                <a:solidFill>
+                  <a:srgbClr val="000066"/>
+                </a:solidFill>
+                <a:latin typeface="微軟正黑體" pitchFamily="34" charset="-120"/>
+                <a:ea typeface="微軟正黑體" pitchFamily="34" charset="-120"/>
+              </a:rPr>
+              <a:t>袮</a:t>
+            </a:r>
+            <a:r>
+              <a:rPr lang="zh-TW" altLang="en-US" sz="5400" b="1" dirty="0" smtClean="0">
+                <a:solidFill>
+                  <a:srgbClr val="000066"/>
+                </a:solidFill>
+                <a:latin typeface="微軟正黑體" pitchFamily="34" charset="-120"/>
+                <a:ea typeface="微軟正黑體" pitchFamily="34" charset="-120"/>
+              </a:rPr>
+              <a:t>護</a:t>
             </a:r>
             <a:r>
               <a:rPr lang="zh-TW" altLang="en-US" sz="5400" b="1" dirty="0">
@@ -3489,15 +3538,8 @@
                 <a:latin typeface="微軟正黑體" pitchFamily="34" charset="-120"/>
                 <a:ea typeface="微軟正黑體" pitchFamily="34" charset="-120"/>
               </a:rPr>
-              <a:t>護送</a:t>
-            </a:r>
-            <a:endParaRPr lang="zh-TW" altLang="en-US" sz="5400" b="1" dirty="0">
-              <a:solidFill>
-                <a:srgbClr val="000066"/>
-              </a:solidFill>
-              <a:latin typeface="微軟正黑體" pitchFamily="34" charset="-120"/>
-              <a:ea typeface="微軟正黑體" pitchFamily="34" charset="-120"/>
-            </a:endParaRPr>
+              <a:t>送</a:t>
+            </a:r>
           </a:p>
         </p:txBody>
       </p:sp>
@@ -3733,6 +3775,46 @@
               <a:t>前程</a:t>
             </a:r>
             <a:r>
+              <a:rPr lang="zh-TW" altLang="en-US" sz="5400" b="1" dirty="0" smtClean="0">
+                <a:solidFill>
+                  <a:srgbClr val="000066"/>
+                </a:solidFill>
+                <a:latin typeface="微軟正黑體" pitchFamily="34" charset="-120"/>
+                <a:ea typeface="微軟正黑體" pitchFamily="34" charset="-120"/>
+              </a:rPr>
+              <a:t>由</a:t>
+            </a:r>
+            <a:r>
+              <a:rPr lang="zh-CN" altLang="en-US" sz="5400" b="1" dirty="0">
+                <a:solidFill>
+                  <a:srgbClr val="000066"/>
+                </a:solidFill>
+                <a:latin typeface="微軟正黑體" pitchFamily="34" charset="-120"/>
+                <a:ea typeface="微軟正黑體" pitchFamily="34" charset="-120"/>
+              </a:rPr>
+              <a:t>袮</a:t>
+            </a:r>
+            <a:r>
+              <a:rPr lang="zh-TW" altLang="en-US" sz="5400" b="1" dirty="0" smtClean="0">
+                <a:solidFill>
+                  <a:srgbClr val="000066"/>
+                </a:solidFill>
+                <a:latin typeface="微軟正黑體" pitchFamily="34" charset="-120"/>
+                <a:ea typeface="微軟正黑體" pitchFamily="34" charset="-120"/>
+              </a:rPr>
+              <a:t>主</a:t>
+            </a:r>
+            <a:r>
+              <a:rPr lang="zh-TW" altLang="en-US" sz="5400" b="1" dirty="0" smtClean="0">
+                <a:solidFill>
+                  <a:srgbClr val="000066"/>
+                </a:solidFill>
+                <a:latin typeface="微軟正黑體" pitchFamily="34" charset="-120"/>
+                <a:ea typeface="微軟正黑體" pitchFamily="34" charset="-120"/>
+              </a:rPr>
+              <a:t>宰  永</a:t>
+            </a:r>
+            <a:r>
               <a:rPr lang="zh-TW" altLang="en-US" sz="5400" b="1" dirty="0">
                 <a:solidFill>
                   <a:srgbClr val="000066"/>
@@ -3740,35 +3822,8 @@
                 <a:latin typeface="微軟正黑體" pitchFamily="34" charset="-120"/>
                 <a:ea typeface="微軟正黑體" pitchFamily="34" charset="-120"/>
               </a:rPr>
-              <a:t>由你</a:t>
-            </a:r>
-            <a:r>
-              <a:rPr lang="zh-TW" altLang="en-US" sz="5400" b="1" dirty="0" smtClean="0">
-                <a:solidFill>
-                  <a:srgbClr val="000066"/>
-                </a:solidFill>
-                <a:latin typeface="微軟正黑體" pitchFamily="34" charset="-120"/>
-                <a:ea typeface="微軟正黑體" pitchFamily="34" charset="-120"/>
-              </a:rPr>
-              <a:t>主宰  永</a:t>
-            </a:r>
-            <a:r>
-              <a:rPr lang="zh-TW" altLang="en-US" sz="5400" b="1" dirty="0">
-                <a:solidFill>
-                  <a:srgbClr val="000066"/>
-                </a:solidFill>
-                <a:latin typeface="微軟正黑體" pitchFamily="34" charset="-120"/>
-                <a:ea typeface="微軟正黑體" pitchFamily="34" charset="-120"/>
-              </a:rPr>
               <a:t>沒變改</a:t>
             </a:r>
-            <a:endParaRPr lang="zh-TW" altLang="en-US" sz="5400" b="1" dirty="0">
-              <a:solidFill>
-                <a:srgbClr val="000066"/>
-              </a:solidFill>
-              <a:latin typeface="微軟正黑體" pitchFamily="34" charset="-120"/>
-              <a:ea typeface="微軟正黑體" pitchFamily="34" charset="-120"/>
-            </a:endParaRPr>
           </a:p>
         </p:txBody>
       </p:sp>
@@ -4004,6 +4059,56 @@
               <a:t>前程</a:t>
             </a:r>
             <a:r>
+              <a:rPr lang="zh-TW" altLang="en-US" sz="5400" b="1" dirty="0" smtClean="0">
+                <a:solidFill>
+                  <a:srgbClr val="000066"/>
+                </a:solidFill>
+                <a:latin typeface="微軟正黑體" pitchFamily="34" charset="-120"/>
+                <a:ea typeface="微軟正黑體" pitchFamily="34" charset="-120"/>
+              </a:rPr>
+              <a:t>由</a:t>
+            </a:r>
+            <a:r>
+              <a:rPr lang="zh-CN" altLang="en-US" sz="5400" b="1" dirty="0">
+                <a:solidFill>
+                  <a:srgbClr val="000066"/>
+                </a:solidFill>
+                <a:latin typeface="微軟正黑體" pitchFamily="34" charset="-120"/>
+                <a:ea typeface="微軟正黑體" pitchFamily="34" charset="-120"/>
+              </a:rPr>
+              <a:t>袮</a:t>
+            </a:r>
+            <a:r>
+              <a:rPr lang="zh-TW" altLang="en-US" sz="5400" b="1" dirty="0" smtClean="0">
+                <a:solidFill>
+                  <a:srgbClr val="000066"/>
+                </a:solidFill>
+                <a:latin typeface="微軟正黑體" pitchFamily="34" charset="-120"/>
+                <a:ea typeface="微軟正黑體" pitchFamily="34" charset="-120"/>
+              </a:rPr>
+              <a:t>主宰  </a:t>
+            </a:r>
+            <a:r>
+              <a:rPr lang="zh-CN" altLang="en-US" sz="5400" b="1" dirty="0" smtClean="0">
+                <a:solidFill>
+                  <a:srgbClr val="000066"/>
+                </a:solidFill>
+                <a:latin typeface="微軟正黑體" pitchFamily="34" charset="-120"/>
+                <a:ea typeface="微軟正黑體" pitchFamily="34" charset="-120"/>
+              </a:rPr>
+              <a:t>袮</a:t>
+            </a:r>
+            <a:r>
+              <a:rPr lang="zh-TW" altLang="en-US" sz="5400" b="1" dirty="0" smtClean="0">
+                <a:solidFill>
+                  <a:srgbClr val="000066"/>
+                </a:solidFill>
+                <a:latin typeface="微軟正黑體" pitchFamily="34" charset="-120"/>
+                <a:ea typeface="微軟正黑體" pitchFamily="34" charset="-120"/>
+              </a:rPr>
+              <a:t>是</a:t>
+            </a:r>
+            <a:r>
               <a:rPr lang="zh-TW" altLang="en-US" sz="5400" b="1" dirty="0">
                 <a:solidFill>
                   <a:srgbClr val="000066"/>
@@ -4011,35 +4116,8 @@
                 <a:latin typeface="微軟正黑體" pitchFamily="34" charset="-120"/>
                 <a:ea typeface="微軟正黑體" pitchFamily="34" charset="-120"/>
               </a:rPr>
-              <a:t>由你</a:t>
-            </a:r>
-            <a:r>
-              <a:rPr lang="zh-TW" altLang="en-US" sz="5400" b="1" dirty="0" smtClean="0">
-                <a:solidFill>
-                  <a:srgbClr val="000066"/>
-                </a:solidFill>
-                <a:latin typeface="微軟正黑體" pitchFamily="34" charset="-120"/>
-                <a:ea typeface="微軟正黑體" pitchFamily="34" charset="-120"/>
-              </a:rPr>
-              <a:t>主宰  你</a:t>
-            </a:r>
-            <a:r>
-              <a:rPr lang="zh-TW" altLang="en-US" sz="5400" b="1" dirty="0">
-                <a:solidFill>
-                  <a:srgbClr val="000066"/>
-                </a:solidFill>
-                <a:latin typeface="微軟正黑體" pitchFamily="34" charset="-120"/>
-                <a:ea typeface="微軟正黑體" pitchFamily="34" charset="-120"/>
-              </a:rPr>
-              <a:t>是愛</a:t>
-            </a:r>
-            <a:endParaRPr lang="zh-TW" altLang="en-US" sz="5400" b="1" dirty="0">
-              <a:solidFill>
-                <a:srgbClr val="000066"/>
-              </a:solidFill>
-              <a:latin typeface="微軟正黑體" pitchFamily="34" charset="-120"/>
-              <a:ea typeface="微軟正黑體" pitchFamily="34" charset="-120"/>
-            </a:endParaRPr>
+              <a:t>愛</a:t>
+            </a:r>
           </a:p>
         </p:txBody>
       </p:sp>
@@ -4329,6 +4407,8 @@
       </a:bgFillStyleLst>
     </a:fmtScheme>
   </a:themeElements>
+  <a:objectDefaults/>
+  <a:extraClrSchemeLst/>
   <a:extLst>
     <a:ext uri="{05A4C25C-085E-4340-85A3-A5531E510DB2}">
       <thm15:themeFamily xmlns:thm15="http://schemas.microsoft.com/office/thememl/2012/main" name="Office Theme" id="{62F939B6-93AF-4DB8-9C6B-D6C7DFDC589F}" vid="{4A3C46E8-61CC-4603-A589-7422A47A8E4A}"/>

--- a/天天歌唱.pptx
+++ b/天天歌唱.pptx
@@ -5,10 +5,15 @@
     <p:sldMasterId id="2147483648" r:id="rId1"/>
   </p:sldMasterIdLst>
   <p:sldIdLst>
-    <p:sldId id="256" r:id="rId2"/>
-    <p:sldId id="257" r:id="rId3"/>
-    <p:sldId id="258" r:id="rId4"/>
-    <p:sldId id="259" r:id="rId5"/>
+    <p:sldId id="260" r:id="rId2"/>
+    <p:sldId id="261" r:id="rId3"/>
+    <p:sldId id="262" r:id="rId4"/>
+    <p:sldId id="263" r:id="rId5"/>
+    <p:sldId id="264" r:id="rId6"/>
+    <p:sldId id="265" r:id="rId7"/>
+    <p:sldId id="266" r:id="rId8"/>
+    <p:sldId id="267" r:id="rId9"/>
+    <p:sldId id="268" r:id="rId10"/>
   </p:sldIdLst>
   <p:sldSz cx="12192000" cy="6858000"/>
   <p:notesSz cx="6858000" cy="9144000"/>
@@ -307,7 +312,7 @@
           <a:p>
             <a:fld id="{DFBC76FB-F76A-46AD-B437-670A42281DAA}" type="datetimeFigureOut">
               <a:rPr lang="zh-TW" altLang="en-US" smtClean="0"/>
-              <a:t>2020/8/8</a:t>
+              <a:t>2022/12/13</a:t>
             </a:fld>
             <a:endParaRPr lang="zh-TW" altLang="en-US"/>
           </a:p>
@@ -472,7 +477,7 @@
           <a:p>
             <a:fld id="{DFBC76FB-F76A-46AD-B437-670A42281DAA}" type="datetimeFigureOut">
               <a:rPr lang="zh-TW" altLang="en-US" smtClean="0"/>
-              <a:t>2020/8/8</a:t>
+              <a:t>2022/12/13</a:t>
             </a:fld>
             <a:endParaRPr lang="zh-TW" altLang="en-US"/>
           </a:p>
@@ -647,7 +652,7 @@
           <a:p>
             <a:fld id="{DFBC76FB-F76A-46AD-B437-670A42281DAA}" type="datetimeFigureOut">
               <a:rPr lang="zh-TW" altLang="en-US" smtClean="0"/>
-              <a:t>2020/8/8</a:t>
+              <a:t>2022/12/13</a:t>
             </a:fld>
             <a:endParaRPr lang="zh-TW" altLang="en-US"/>
           </a:p>
@@ -812,7 +817,7 @@
           <a:p>
             <a:fld id="{DFBC76FB-F76A-46AD-B437-670A42281DAA}" type="datetimeFigureOut">
               <a:rPr lang="zh-TW" altLang="en-US" smtClean="0"/>
-              <a:t>2020/8/8</a:t>
+              <a:t>2022/12/13</a:t>
             </a:fld>
             <a:endParaRPr lang="zh-TW" altLang="en-US"/>
           </a:p>
@@ -1053,7 +1058,7 @@
           <a:p>
             <a:fld id="{DFBC76FB-F76A-46AD-B437-670A42281DAA}" type="datetimeFigureOut">
               <a:rPr lang="zh-TW" altLang="en-US" smtClean="0"/>
-              <a:t>2020/8/8</a:t>
+              <a:t>2022/12/13</a:t>
             </a:fld>
             <a:endParaRPr lang="zh-TW" altLang="en-US"/>
           </a:p>
@@ -1336,7 +1341,7 @@
           <a:p>
             <a:fld id="{DFBC76FB-F76A-46AD-B437-670A42281DAA}" type="datetimeFigureOut">
               <a:rPr lang="zh-TW" altLang="en-US" smtClean="0"/>
-              <a:t>2020/8/8</a:t>
+              <a:t>2022/12/13</a:t>
             </a:fld>
             <a:endParaRPr lang="zh-TW" altLang="en-US"/>
           </a:p>
@@ -1753,7 +1758,7 @@
           <a:p>
             <a:fld id="{DFBC76FB-F76A-46AD-B437-670A42281DAA}" type="datetimeFigureOut">
               <a:rPr lang="zh-TW" altLang="en-US" smtClean="0"/>
-              <a:t>2020/8/8</a:t>
+              <a:t>2022/12/13</a:t>
             </a:fld>
             <a:endParaRPr lang="zh-TW" altLang="en-US"/>
           </a:p>
@@ -1866,7 +1871,7 @@
           <a:p>
             <a:fld id="{DFBC76FB-F76A-46AD-B437-670A42281DAA}" type="datetimeFigureOut">
               <a:rPr lang="zh-TW" altLang="en-US" smtClean="0"/>
-              <a:t>2020/8/8</a:t>
+              <a:t>2022/12/13</a:t>
             </a:fld>
             <a:endParaRPr lang="zh-TW" altLang="en-US"/>
           </a:p>
@@ -1956,7 +1961,7 @@
           <a:p>
             <a:fld id="{DFBC76FB-F76A-46AD-B437-670A42281DAA}" type="datetimeFigureOut">
               <a:rPr lang="zh-TW" altLang="en-US" smtClean="0"/>
-              <a:t>2020/8/8</a:t>
+              <a:t>2022/12/13</a:t>
             </a:fld>
             <a:endParaRPr lang="zh-TW" altLang="en-US"/>
           </a:p>
@@ -2228,7 +2233,7 @@
           <a:p>
             <a:fld id="{DFBC76FB-F76A-46AD-B437-670A42281DAA}" type="datetimeFigureOut">
               <a:rPr lang="zh-TW" altLang="en-US" smtClean="0"/>
-              <a:t>2020/8/8</a:t>
+              <a:t>2022/12/13</a:t>
             </a:fld>
             <a:endParaRPr lang="zh-TW" altLang="en-US"/>
           </a:p>
@@ -2480,7 +2485,7 @@
           <a:p>
             <a:fld id="{DFBC76FB-F76A-46AD-B437-670A42281DAA}" type="datetimeFigureOut">
               <a:rPr lang="zh-TW" altLang="en-US" smtClean="0"/>
-              <a:t>2020/8/8</a:t>
+              <a:t>2022/12/13</a:t>
             </a:fld>
             <a:endParaRPr lang="zh-TW" altLang="en-US"/>
           </a:p>
@@ -2693,7 +2698,7 @@
           <a:p>
             <a:fld id="{DFBC76FB-F76A-46AD-B437-670A42281DAA}" type="datetimeFigureOut">
               <a:rPr lang="zh-TW" altLang="en-US" smtClean="0"/>
-              <a:t>2020/8/8</a:t>
+              <a:t>2022/12/13</a:t>
             </a:fld>
             <a:endParaRPr lang="zh-TW" altLang="en-US"/>
           </a:p>
@@ -3073,208 +3078,61 @@
             <p:ph type="title"/>
           </p:nvPr>
         </p:nvSpPr>
-        <p:spPr/>
-        <p:txBody>
-          <a:bodyPr/>
-          <a:lstStyle/>
-          <a:p>
-            <a:r>
-              <a:rPr lang="zh-TW" altLang="en-US" b="1" dirty="0" smtClean="0">
-                <a:solidFill>
-                  <a:srgbClr val="000066"/>
-                </a:solidFill>
+        <p:spPr>
+          <a:xfrm>
+            <a:off x="0" y="2660915"/>
+            <a:ext cx="12192000" cy="1143000"/>
+          </a:xfrm>
+        </p:spPr>
+        <p:txBody>
+          <a:bodyPr>
+            <a:noAutofit/>
+          </a:bodyPr>
+          <a:lstStyle/>
+          <a:p>
+            <a:r>
+              <a:rPr lang="zh-TW" altLang="en-US" sz="7200" b="1" i="1" dirty="0" smtClean="0">
+                <a:solidFill>
+                  <a:srgbClr val="000066"/>
+                </a:solidFill>
+                <a:effectLst>
+                  <a:outerShdw blurRad="38100" dist="38100" dir="2700000" algn="tl">
+                    <a:srgbClr val="000000">
+                      <a:alpha val="43137"/>
+                    </a:srgbClr>
+                  </a:outerShdw>
+                </a:effectLst>
                 <a:latin typeface="微軟正黑體" pitchFamily="34" charset="-120"/>
                 <a:ea typeface="微軟正黑體" pitchFamily="34" charset="-120"/>
               </a:rPr>
-              <a:t>天天歌唱</a:t>
-            </a:r>
-            <a:endParaRPr lang="zh-TW" altLang="en-US" b="1" dirty="0">
-              <a:solidFill>
-                <a:srgbClr val="000066"/>
-              </a:solidFill>
-              <a:latin typeface="微軟正黑體" pitchFamily="34" charset="-120"/>
-              <a:ea typeface="微軟正黑體" pitchFamily="34" charset="-120"/>
-            </a:endParaRPr>
-          </a:p>
-        </p:txBody>
-      </p:sp>
-      <p:sp>
-        <p:nvSpPr>
-          <p:cNvPr id="5" name="內容版面配置區 4"/>
-          <p:cNvSpPr>
-            <a:spLocks noGrp="1"/>
-          </p:cNvSpPr>
-          <p:nvPr>
-            <p:ph idx="1"/>
-          </p:nvPr>
-        </p:nvSpPr>
-        <p:spPr/>
-        <p:txBody>
-          <a:bodyPr>
-            <a:normAutofit/>
-          </a:bodyPr>
-          <a:lstStyle/>
-          <a:p>
-            <a:pPr algn="ctr">
-              <a:buNone/>
-            </a:pPr>
-            <a:r>
-              <a:rPr lang="zh-TW" altLang="en-US" sz="5400" b="1" dirty="0">
-                <a:solidFill>
-                  <a:srgbClr val="000066"/>
-                </a:solidFill>
+              <a:t>天</a:t>
+            </a:r>
+            <a:r>
+              <a:rPr lang="zh-TW" altLang="en-US" sz="7200" b="1" i="1" dirty="0">
+                <a:solidFill>
+                  <a:srgbClr val="000066"/>
+                </a:solidFill>
+                <a:effectLst>
+                  <a:outerShdw blurRad="38100" dist="38100" dir="2700000" algn="tl">
+                    <a:srgbClr val="000000">
+                      <a:alpha val="43137"/>
+                    </a:srgbClr>
+                  </a:outerShdw>
+                </a:effectLst>
                 <a:latin typeface="微軟正黑體" pitchFamily="34" charset="-120"/>
                 <a:ea typeface="微軟正黑體" pitchFamily="34" charset="-120"/>
               </a:rPr>
-              <a:t>天天歌唱頌讚神慈</a:t>
-            </a:r>
-            <a:r>
-              <a:rPr lang="zh-TW" altLang="en-US" sz="5400" b="1" dirty="0" smtClean="0">
-                <a:solidFill>
-                  <a:srgbClr val="000066"/>
-                </a:solidFill>
-                <a:latin typeface="微軟正黑體" pitchFamily="34" charset="-120"/>
-                <a:ea typeface="微軟正黑體" pitchFamily="34" charset="-120"/>
-              </a:rPr>
-              <a:t>恩</a:t>
-            </a:r>
-            <a:endParaRPr lang="en-US" altLang="zh-TW" sz="5400" b="1" dirty="0" smtClean="0">
-              <a:solidFill>
-                <a:srgbClr val="000066"/>
-              </a:solidFill>
-              <a:latin typeface="微軟正黑體" pitchFamily="34" charset="-120"/>
-              <a:ea typeface="微軟正黑體" pitchFamily="34" charset="-120"/>
-            </a:endParaRPr>
-          </a:p>
-          <a:p>
-            <a:pPr algn="ctr">
-              <a:buNone/>
-            </a:pPr>
-            <a:r>
-              <a:rPr lang="zh-TW" altLang="en-US" sz="5400" b="1" dirty="0" smtClean="0">
-                <a:solidFill>
-                  <a:srgbClr val="000066"/>
-                </a:solidFill>
-                <a:latin typeface="微軟正黑體" pitchFamily="34" charset="-120"/>
-                <a:ea typeface="微軟正黑體" pitchFamily="34" charset="-120"/>
-              </a:rPr>
-              <a:t>讚嘆</a:t>
-            </a:r>
-            <a:r>
-              <a:rPr lang="zh-TW" altLang="en-US" sz="5400" b="1" dirty="0">
-                <a:solidFill>
-                  <a:srgbClr val="000066"/>
-                </a:solidFill>
-                <a:latin typeface="微軟正黑體" pitchFamily="34" charset="-120"/>
-                <a:ea typeface="微軟正黑體" pitchFamily="34" charset="-120"/>
-              </a:rPr>
-              <a:t>宇宙萬千的奧</a:t>
-            </a:r>
-            <a:r>
-              <a:rPr lang="zh-TW" altLang="en-US" sz="5400" b="1" dirty="0" smtClean="0">
-                <a:solidFill>
-                  <a:srgbClr val="000066"/>
-                </a:solidFill>
-                <a:latin typeface="微軟正黑體" pitchFamily="34" charset="-120"/>
-                <a:ea typeface="微軟正黑體" pitchFamily="34" charset="-120"/>
-              </a:rPr>
-              <a:t>祕</a:t>
-            </a:r>
-            <a:endParaRPr lang="en-US" altLang="zh-TW" sz="5400" b="1" dirty="0">
-              <a:solidFill>
-                <a:srgbClr val="000066"/>
-              </a:solidFill>
-              <a:latin typeface="微軟正黑體" pitchFamily="34" charset="-120"/>
-              <a:ea typeface="微軟正黑體" pitchFamily="34" charset="-120"/>
-            </a:endParaRPr>
-          </a:p>
-          <a:p>
-            <a:pPr algn="ctr">
-              <a:buNone/>
-            </a:pPr>
-            <a:r>
-              <a:rPr lang="zh-TW" altLang="en-US" sz="5400" b="1" dirty="0" smtClean="0">
-                <a:solidFill>
-                  <a:srgbClr val="000066"/>
-                </a:solidFill>
-                <a:latin typeface="微軟正黑體" pitchFamily="34" charset="-120"/>
-                <a:ea typeface="微軟正黑體" pitchFamily="34" charset="-120"/>
-              </a:rPr>
-              <a:t>多</a:t>
-            </a:r>
-            <a:r>
-              <a:rPr lang="zh-TW" altLang="en-US" sz="5400" b="1" dirty="0">
-                <a:solidFill>
-                  <a:srgbClr val="000066"/>
-                </a:solidFill>
-                <a:latin typeface="微軟正黑體" pitchFamily="34" charset="-120"/>
-                <a:ea typeface="微軟正黑體" pitchFamily="34" charset="-120"/>
-              </a:rPr>
-              <a:t>高深星宿運行</a:t>
-            </a:r>
-            <a:r>
-              <a:rPr lang="zh-TW" altLang="en-US" sz="5400" b="1" dirty="0" smtClean="0">
-                <a:solidFill>
-                  <a:srgbClr val="000066"/>
-                </a:solidFill>
-                <a:latin typeface="微軟正黑體" pitchFamily="34" charset="-120"/>
-                <a:ea typeface="微軟正黑體" pitchFamily="34" charset="-120"/>
-              </a:rPr>
-              <a:t>原理</a:t>
-            </a:r>
-            <a:endParaRPr lang="en-US" altLang="zh-TW" sz="5400" b="1" dirty="0" smtClean="0">
-              <a:solidFill>
-                <a:srgbClr val="000066"/>
-              </a:solidFill>
-              <a:latin typeface="微軟正黑體" pitchFamily="34" charset="-120"/>
-              <a:ea typeface="微軟正黑體" pitchFamily="34" charset="-120"/>
-            </a:endParaRPr>
-          </a:p>
-          <a:p>
-            <a:pPr algn="ctr">
-              <a:buNone/>
-            </a:pPr>
-            <a:r>
-              <a:rPr lang="zh-TW" altLang="en-US" sz="5400" b="1" dirty="0" smtClean="0">
-                <a:solidFill>
-                  <a:srgbClr val="000066"/>
-                </a:solidFill>
-                <a:latin typeface="微軟正黑體" pitchFamily="34" charset="-120"/>
-                <a:ea typeface="微軟正黑體" pitchFamily="34" charset="-120"/>
-              </a:rPr>
-              <a:t>神</a:t>
-            </a:r>
-            <a:r>
-              <a:rPr lang="zh-TW" altLang="en-US" sz="5400" b="1" dirty="0">
-                <a:solidFill>
-                  <a:srgbClr val="000066"/>
-                </a:solidFill>
-                <a:latin typeface="微軟正黑體" pitchFamily="34" charset="-120"/>
-                <a:ea typeface="微軟正黑體" pitchFamily="34" charset="-120"/>
-              </a:rPr>
-              <a:t>造物無限</a:t>
-            </a:r>
-            <a:r>
-              <a:rPr lang="zh-TW" altLang="en-US" sz="5400" b="1" dirty="0" smtClean="0">
-                <a:solidFill>
-                  <a:srgbClr val="000066"/>
-                </a:solidFill>
-                <a:latin typeface="微軟正黑體" pitchFamily="34" charset="-120"/>
-                <a:ea typeface="微軟正黑體" pitchFamily="34" charset="-120"/>
-              </a:rPr>
-              <a:t>細膩</a:t>
-            </a:r>
-            <a:endParaRPr lang="zh-TW" altLang="en-US" sz="5400" b="1" dirty="0">
-              <a:solidFill>
-                <a:srgbClr val="000066"/>
-              </a:solidFill>
-              <a:latin typeface="微軟正黑體" pitchFamily="34" charset="-120"/>
-              <a:ea typeface="微軟正黑體" pitchFamily="34" charset="-120"/>
-            </a:endParaRPr>
+              <a:t>天歌唱</a:t>
+            </a:r>
           </a:p>
         </p:txBody>
       </p:sp>
     </p:spTree>
+    <p:extLst>
+      <p:ext uri="{BB962C8B-B14F-4D97-AF65-F5344CB8AC3E}">
+        <p14:creationId xmlns:p14="http://schemas.microsoft.com/office/powerpoint/2010/main" val="4087105943"/>
+      </p:ext>
+    </p:extLst>
   </p:cSld>
   <p:clrMapOvr>
     <a:masterClrMapping/>
@@ -3301,30 +3159,40 @@
       </p:grpSpPr>
       <p:sp>
         <p:nvSpPr>
-          <p:cNvPr id="4" name="標題 3"/>
-          <p:cNvSpPr>
-            <a:spLocks noGrp="1"/>
-          </p:cNvSpPr>
-          <p:nvPr>
-            <p:ph type="title"/>
-          </p:nvPr>
-        </p:nvSpPr>
-        <p:spPr/>
-        <p:txBody>
-          <a:bodyPr/>
-          <a:lstStyle/>
-          <a:p>
-            <a:r>
-              <a:rPr lang="zh-TW" altLang="en-US" b="1" dirty="0" smtClean="0">
+          <p:cNvPr id="5" name="內容版面配置區 4"/>
+          <p:cNvSpPr>
+            <a:spLocks noGrp="1"/>
+          </p:cNvSpPr>
+          <p:nvPr>
+            <p:ph idx="1"/>
+          </p:nvPr>
+        </p:nvSpPr>
+        <p:spPr>
+          <a:xfrm>
+            <a:off x="0" y="2084851"/>
+            <a:ext cx="12192000" cy="2404863"/>
+          </a:xfrm>
+        </p:spPr>
+        <p:txBody>
+          <a:bodyPr anchor="ctr">
+            <a:normAutofit/>
+          </a:bodyPr>
+          <a:lstStyle/>
+          <a:p>
+            <a:pPr algn="ctr">
+              <a:buNone/>
+            </a:pPr>
+            <a:r>
+              <a:rPr lang="zh-TW" altLang="en-US" sz="6400" b="1" dirty="0">
                 <a:solidFill>
                   <a:srgbClr val="000066"/>
                 </a:solidFill>
                 <a:latin typeface="微軟正黑體" pitchFamily="34" charset="-120"/>
                 <a:ea typeface="微軟正黑體" pitchFamily="34" charset="-120"/>
               </a:rPr>
-              <a:t>天天歌唱</a:t>
-            </a:r>
-            <a:endParaRPr lang="zh-TW" altLang="en-US" b="1" dirty="0">
+              <a:t>天天歌唱頌讚神慈恩</a:t>
+            </a:r>
+            <a:endParaRPr lang="en-US" altLang="zh-TW" sz="6400" b="1" dirty="0">
               <a:solidFill>
                 <a:srgbClr val="000066"/>
               </a:solidFill>
@@ -3332,49 +3200,21 @@
               <a:ea typeface="微軟正黑體" pitchFamily="34" charset="-120"/>
             </a:endParaRPr>
           </a:p>
-        </p:txBody>
-      </p:sp>
-      <p:sp>
-        <p:nvSpPr>
-          <p:cNvPr id="5" name="內容版面配置區 4"/>
-          <p:cNvSpPr>
-            <a:spLocks noGrp="1"/>
-          </p:cNvSpPr>
-          <p:nvPr>
-            <p:ph idx="1"/>
-          </p:nvPr>
-        </p:nvSpPr>
-        <p:spPr/>
-        <p:txBody>
-          <a:bodyPr>
-            <a:normAutofit/>
-          </a:bodyPr>
-          <a:lstStyle/>
           <a:p>
             <a:pPr algn="ctr">
               <a:buNone/>
             </a:pPr>
             <a:r>
-              <a:rPr lang="zh-TW" altLang="en-US" sz="5400" b="1" dirty="0">
+              <a:rPr lang="zh-TW" altLang="en-US" sz="6400" b="1" dirty="0">
                 <a:solidFill>
                   <a:srgbClr val="000066"/>
                 </a:solidFill>
                 <a:latin typeface="微軟正黑體" pitchFamily="34" charset="-120"/>
                 <a:ea typeface="微軟正黑體" pitchFamily="34" charset="-120"/>
               </a:rPr>
-              <a:t>天天歌唱未怕迎</a:t>
-            </a:r>
-            <a:r>
-              <a:rPr lang="zh-TW" altLang="en-US" sz="5400" b="1" dirty="0" smtClean="0">
-                <a:solidFill>
-                  <a:srgbClr val="000066"/>
-                </a:solidFill>
-                <a:latin typeface="微軟正黑體" pitchFamily="34" charset="-120"/>
-                <a:ea typeface="微軟正黑體" pitchFamily="34" charset="-120"/>
-              </a:rPr>
-              <a:t>狂風</a:t>
-            </a:r>
-            <a:endParaRPr lang="en-US" altLang="zh-TW" sz="5400" b="1" dirty="0" smtClean="0">
+              <a:t>讚嘆宇宙萬千的奧祕</a:t>
+            </a:r>
+            <a:endParaRPr lang="en-US" altLang="zh-TW" sz="6400" b="1" dirty="0">
               <a:solidFill>
                 <a:srgbClr val="000066"/>
               </a:solidFill>
@@ -3382,168 +3222,76 @@
               <a:ea typeface="微軟正黑體" pitchFamily="34" charset="-120"/>
             </a:endParaRPr>
           </a:p>
-          <a:p>
-            <a:pPr algn="ctr">
-              <a:buNone/>
-            </a:pPr>
-            <a:r>
-              <a:rPr lang="zh-TW" altLang="en-US" sz="5400" b="1" dirty="0" smtClean="0">
-                <a:solidFill>
-                  <a:srgbClr val="000066"/>
-                </a:solidFill>
-                <a:latin typeface="微軟正黑體" pitchFamily="34" charset="-120"/>
-                <a:ea typeface="微軟正黑體" pitchFamily="34" charset="-120"/>
-              </a:rPr>
-              <a:t>有</a:t>
-            </a:r>
-            <a:r>
-              <a:rPr lang="zh-CN" altLang="en-US" sz="5400" b="1" dirty="0">
-                <a:solidFill>
-                  <a:srgbClr val="000066"/>
-                </a:solidFill>
-                <a:latin typeface="微軟正黑體" pitchFamily="34" charset="-120"/>
-                <a:ea typeface="微軟正黑體" pitchFamily="34" charset="-120"/>
-              </a:rPr>
-              <a:t>袮</a:t>
-            </a:r>
-            <a:r>
-              <a:rPr lang="zh-TW" altLang="en-US" sz="5400" b="1" dirty="0" smtClean="0">
-                <a:solidFill>
-                  <a:srgbClr val="000066"/>
-                </a:solidFill>
-                <a:latin typeface="微軟正黑體" pitchFamily="34" charset="-120"/>
-                <a:ea typeface="微軟正黑體" pitchFamily="34" charset="-120"/>
-              </a:rPr>
-              <a:t>結</a:t>
-            </a:r>
-            <a:r>
-              <a:rPr lang="zh-TW" altLang="en-US" sz="5400" b="1" dirty="0">
-                <a:solidFill>
-                  <a:srgbClr val="000066"/>
-                </a:solidFill>
-                <a:latin typeface="微軟正黑體" pitchFamily="34" charset="-120"/>
-                <a:ea typeface="微軟正黑體" pitchFamily="34" charset="-120"/>
-              </a:rPr>
-              <a:t>伴每刻恩典</a:t>
-            </a:r>
-            <a:r>
-              <a:rPr lang="zh-TW" altLang="en-US" sz="5400" b="1" dirty="0" smtClean="0">
-                <a:solidFill>
-                  <a:srgbClr val="000066"/>
-                </a:solidFill>
-                <a:latin typeface="微軟正黑體" pitchFamily="34" charset="-120"/>
-                <a:ea typeface="微軟正黑體" pitchFamily="34" charset="-120"/>
-              </a:rPr>
-              <a:t>夠用</a:t>
-            </a:r>
-            <a:endParaRPr lang="en-US" altLang="zh-TW" sz="5400" b="1" dirty="0">
+        </p:txBody>
+      </p:sp>
+      <p:sp>
+        <p:nvSpPr>
+          <p:cNvPr id="3" name="TextBox 2"/>
+          <p:cNvSpPr txBox="1"/>
+          <p:nvPr/>
+        </p:nvSpPr>
+        <p:spPr>
+          <a:xfrm>
+            <a:off x="0" y="5157192"/>
+            <a:ext cx="12192000" cy="707886"/>
+          </a:xfrm>
+          <a:prstGeom prst="rect">
+            <a:avLst/>
+          </a:prstGeom>
+          <a:noFill/>
+        </p:spPr>
+        <p:txBody>
+          <a:bodyPr wrap="square" rtlCol="0">
+            <a:spAutoFit/>
+          </a:bodyPr>
+          <a:lstStyle/>
+          <a:p>
+            <a:pPr algn="ctr"/>
+            <a:r>
+              <a:rPr lang="en-US" sz="4000" b="1" dirty="0">
+                <a:solidFill>
+                  <a:srgbClr val="000066"/>
+                </a:solidFill>
+                <a:latin typeface="Microsoft JhengHei" panose="020B0604030504040204" pitchFamily="34" charset="-120"/>
+                <a:ea typeface="Microsoft JhengHei" panose="020B0604030504040204" pitchFamily="34" charset="-120"/>
+              </a:rPr>
+              <a:t>( </a:t>
+            </a:r>
+            <a:r>
+              <a:rPr lang="zh-CN" altLang="en-US" sz="4000" b="1" dirty="0">
+                <a:solidFill>
+                  <a:srgbClr val="000066"/>
+                </a:solidFill>
+                <a:latin typeface="Microsoft JhengHei" panose="020B0604030504040204" pitchFamily="34" charset="-120"/>
+                <a:ea typeface="Microsoft JhengHei" panose="020B0604030504040204" pitchFamily="34" charset="-120"/>
+              </a:rPr>
+              <a:t>正</a:t>
+            </a:r>
+            <a:r>
+              <a:rPr lang="en-US" sz="4000" b="1" dirty="0">
+                <a:solidFill>
+                  <a:srgbClr val="000066"/>
+                </a:solidFill>
+                <a:latin typeface="Microsoft JhengHei" panose="020B0604030504040204" pitchFamily="34" charset="-120"/>
+                <a:ea typeface="Microsoft JhengHei" panose="020B0604030504040204" pitchFamily="34" charset="-120"/>
+              </a:rPr>
+              <a:t> )</a:t>
+            </a:r>
+            <a:endParaRPr lang="vi-VN" sz="4000" b="1" dirty="0">
               <a:solidFill>
                 <a:srgbClr val="000066"/>
               </a:solidFill>
-              <a:latin typeface="微軟正黑體" pitchFamily="34" charset="-120"/>
-              <a:ea typeface="微軟正黑體" pitchFamily="34" charset="-120"/>
+              <a:ea typeface="Microsoft JhengHei" panose="020B0604030504040204" pitchFamily="34" charset="-120"/>
             </a:endParaRPr>
           </a:p>
-          <a:p>
-            <a:pPr algn="ctr">
-              <a:buNone/>
-            </a:pPr>
-            <a:r>
-              <a:rPr lang="zh-TW" altLang="en-US" sz="5400" b="1" dirty="0" smtClean="0">
-                <a:solidFill>
-                  <a:srgbClr val="000066"/>
-                </a:solidFill>
-                <a:latin typeface="微軟正黑體" pitchFamily="34" charset="-120"/>
-                <a:ea typeface="微軟正黑體" pitchFamily="34" charset="-120"/>
-              </a:rPr>
-              <a:t>邁步</a:t>
-            </a:r>
-            <a:r>
-              <a:rPr lang="zh-TW" altLang="en-US" sz="5400" b="1" dirty="0">
-                <a:solidFill>
-                  <a:srgbClr val="000066"/>
-                </a:solidFill>
-                <a:latin typeface="微軟正黑體" pitchFamily="34" charset="-120"/>
-                <a:ea typeface="微軟正黑體" pitchFamily="34" charset="-120"/>
-              </a:rPr>
-              <a:t>浪裡</a:t>
-            </a:r>
-            <a:r>
-              <a:rPr lang="zh-TW" altLang="en-US" sz="5400" b="1" dirty="0" smtClean="0">
-                <a:solidFill>
-                  <a:srgbClr val="000066"/>
-                </a:solidFill>
-                <a:latin typeface="微軟正黑體" pitchFamily="34" charset="-120"/>
-                <a:ea typeface="微軟正黑體" pitchFamily="34" charset="-120"/>
-              </a:rPr>
-              <a:t>衝</a:t>
-            </a:r>
-            <a:endParaRPr lang="en-US" altLang="zh-TW" sz="5400" b="1" dirty="0" smtClean="0">
-              <a:solidFill>
-                <a:srgbClr val="000066"/>
-              </a:solidFill>
-              <a:latin typeface="微軟正黑體" pitchFamily="34" charset="-120"/>
-              <a:ea typeface="微軟正黑體" pitchFamily="34" charset="-120"/>
-            </a:endParaRPr>
-          </a:p>
-          <a:p>
-            <a:pPr algn="ctr">
-              <a:buNone/>
-            </a:pPr>
-            <a:r>
-              <a:rPr lang="zh-TW" altLang="en-US" sz="5400" b="1" dirty="0" smtClean="0">
-                <a:solidFill>
-                  <a:srgbClr val="000066"/>
-                </a:solidFill>
-                <a:latin typeface="微軟正黑體" pitchFamily="34" charset="-120"/>
-                <a:ea typeface="微軟正黑體" pitchFamily="34" charset="-120"/>
-              </a:rPr>
-              <a:t>何妨澎湃洶</a:t>
-            </a:r>
-            <a:r>
-              <a:rPr lang="zh-TW" altLang="en-US" sz="5400" b="1" dirty="0" smtClean="0">
-                <a:solidFill>
-                  <a:srgbClr val="000066"/>
-                </a:solidFill>
-                <a:latin typeface="微軟正黑體" pitchFamily="34" charset="-120"/>
-                <a:ea typeface="微軟正黑體" pitchFamily="34" charset="-120"/>
-              </a:rPr>
-              <a:t>湧  </a:t>
-            </a:r>
-            <a:r>
-              <a:rPr lang="zh-CN" altLang="en-US" sz="5400" b="1" dirty="0" smtClean="0">
-                <a:solidFill>
-                  <a:srgbClr val="000066"/>
-                </a:solidFill>
-                <a:latin typeface="微軟正黑體" pitchFamily="34" charset="-120"/>
-                <a:ea typeface="微軟正黑體" pitchFamily="34" charset="-120"/>
-              </a:rPr>
-              <a:t>袮</a:t>
-            </a:r>
-            <a:r>
-              <a:rPr lang="zh-TW" altLang="en-US" sz="5400" b="1" dirty="0" smtClean="0">
-                <a:solidFill>
-                  <a:srgbClr val="000066"/>
-                </a:solidFill>
-                <a:latin typeface="微軟正黑體" pitchFamily="34" charset="-120"/>
-                <a:ea typeface="微軟正黑體" pitchFamily="34" charset="-120"/>
-              </a:rPr>
-              <a:t>護</a:t>
-            </a:r>
-            <a:r>
-              <a:rPr lang="zh-TW" altLang="en-US" sz="5400" b="1" dirty="0">
-                <a:solidFill>
-                  <a:srgbClr val="000066"/>
-                </a:solidFill>
-                <a:latin typeface="微軟正黑體" pitchFamily="34" charset="-120"/>
-                <a:ea typeface="微軟正黑體" pitchFamily="34" charset="-120"/>
-              </a:rPr>
-              <a:t>送</a:t>
-            </a:r>
-          </a:p>
         </p:txBody>
       </p:sp>
     </p:spTree>
+    <p:extLst>
+      <p:ext uri="{BB962C8B-B14F-4D97-AF65-F5344CB8AC3E}">
+        <p14:creationId xmlns:p14="http://schemas.microsoft.com/office/powerpoint/2010/main" val="1010394725"/>
+      </p:ext>
+    </p:extLst>
   </p:cSld>
   <p:clrMapOvr>
     <a:masterClrMapping/>
@@ -3570,30 +3318,40 @@
       </p:grpSpPr>
       <p:sp>
         <p:nvSpPr>
-          <p:cNvPr id="4" name="標題 3"/>
-          <p:cNvSpPr>
-            <a:spLocks noGrp="1"/>
-          </p:cNvSpPr>
-          <p:nvPr>
-            <p:ph type="title"/>
-          </p:nvPr>
-        </p:nvSpPr>
-        <p:spPr/>
-        <p:txBody>
-          <a:bodyPr/>
-          <a:lstStyle/>
-          <a:p>
-            <a:r>
-              <a:rPr lang="zh-TW" altLang="en-US" b="1" dirty="0" smtClean="0">
+          <p:cNvPr id="5" name="內容版面配置區 4"/>
+          <p:cNvSpPr>
+            <a:spLocks noGrp="1"/>
+          </p:cNvSpPr>
+          <p:nvPr>
+            <p:ph idx="1"/>
+          </p:nvPr>
+        </p:nvSpPr>
+        <p:spPr>
+          <a:xfrm>
+            <a:off x="0" y="2084851"/>
+            <a:ext cx="12192000" cy="2404863"/>
+          </a:xfrm>
+        </p:spPr>
+        <p:txBody>
+          <a:bodyPr anchor="ctr">
+            <a:normAutofit/>
+          </a:bodyPr>
+          <a:lstStyle/>
+          <a:p>
+            <a:pPr algn="ctr">
+              <a:buNone/>
+            </a:pPr>
+            <a:r>
+              <a:rPr lang="zh-TW" altLang="en-US" sz="6400" b="1" dirty="0">
                 <a:solidFill>
                   <a:srgbClr val="000066"/>
                 </a:solidFill>
                 <a:latin typeface="微軟正黑體" pitchFamily="34" charset="-120"/>
                 <a:ea typeface="微軟正黑體" pitchFamily="34" charset="-120"/>
               </a:rPr>
-              <a:t>天天歌唱</a:t>
-            </a:r>
-            <a:endParaRPr lang="zh-TW" altLang="en-US" b="1" dirty="0">
+              <a:t>多高深星宿運行原理</a:t>
+            </a:r>
+            <a:endParaRPr lang="en-US" altLang="zh-TW" sz="6400" b="1" dirty="0">
               <a:solidFill>
                 <a:srgbClr val="000066"/>
               </a:solidFill>
@@ -3601,233 +3359,91 @@
               <a:ea typeface="微軟正黑體" pitchFamily="34" charset="-120"/>
             </a:endParaRPr>
           </a:p>
-        </p:txBody>
-      </p:sp>
-      <p:sp>
-        <p:nvSpPr>
-          <p:cNvPr id="5" name="內容版面配置區 4"/>
-          <p:cNvSpPr>
-            <a:spLocks noGrp="1"/>
-          </p:cNvSpPr>
-          <p:nvPr>
-            <p:ph idx="1"/>
-          </p:nvPr>
+          <a:p>
+            <a:pPr algn="ctr">
+              <a:buNone/>
+            </a:pPr>
+            <a:r>
+              <a:rPr lang="zh-TW" altLang="en-US" sz="6400" b="1" dirty="0">
+                <a:solidFill>
+                  <a:srgbClr val="000066"/>
+                </a:solidFill>
+                <a:latin typeface="微軟正黑體" pitchFamily="34" charset="-120"/>
+                <a:ea typeface="微軟正黑體" pitchFamily="34" charset="-120"/>
+              </a:rPr>
+              <a:t>神造物無限細膩</a:t>
+            </a:r>
+          </a:p>
+        </p:txBody>
+      </p:sp>
+      <p:sp>
+        <p:nvSpPr>
+          <p:cNvPr id="3" name="TextBox 2"/>
+          <p:cNvSpPr txBox="1"/>
+          <p:nvPr/>
         </p:nvSpPr>
         <p:spPr>
           <a:xfrm>
-            <a:off x="1524000" y="1600200"/>
-            <a:ext cx="9144000" cy="4525963"/>
+            <a:off x="0" y="5157192"/>
+            <a:ext cx="12192000" cy="707886"/>
           </a:xfrm>
+          <a:prstGeom prst="rect">
+            <a:avLst/>
+          </a:prstGeom>
+          <a:noFill/>
         </p:spPr>
         <p:txBody>
-          <a:bodyPr>
-            <a:normAutofit/>
+          <a:bodyPr wrap="square" rtlCol="0">
+            <a:spAutoFit/>
           </a:bodyPr>
           <a:lstStyle/>
           <a:p>
-            <a:pPr algn="ctr">
-              <a:buNone/>
-            </a:pPr>
-            <a:r>
-              <a:rPr lang="zh-TW" altLang="en-US" sz="5400" b="1" dirty="0">
-                <a:solidFill>
-                  <a:srgbClr val="000066"/>
-                </a:solidFill>
-                <a:latin typeface="微軟正黑體" pitchFamily="34" charset="-120"/>
-                <a:ea typeface="微軟正黑體" pitchFamily="34" charset="-120"/>
-              </a:rPr>
-              <a:t>神</a:t>
-            </a:r>
-            <a:r>
-              <a:rPr lang="zh-TW" altLang="en-US" sz="5400" b="1" dirty="0" smtClean="0">
-                <a:solidFill>
-                  <a:srgbClr val="000066"/>
-                </a:solidFill>
-                <a:latin typeface="微軟正黑體" pitchFamily="34" charset="-120"/>
-                <a:ea typeface="微軟正黑體" pitchFamily="34" charset="-120"/>
-              </a:rPr>
-              <a:t>呀  我</a:t>
-            </a:r>
-            <a:r>
-              <a:rPr lang="zh-TW" altLang="en-US" sz="5400" b="1" dirty="0">
-                <a:solidFill>
-                  <a:srgbClr val="000066"/>
-                </a:solidFill>
-                <a:latin typeface="微軟正黑體" pitchFamily="34" charset="-120"/>
-                <a:ea typeface="微軟正黑體" pitchFamily="34" charset="-120"/>
-              </a:rPr>
-              <a:t>感激恩手永不曾</a:t>
-            </a:r>
-            <a:r>
-              <a:rPr lang="zh-TW" altLang="en-US" sz="5400" b="1" dirty="0" smtClean="0">
-                <a:solidFill>
-                  <a:srgbClr val="000066"/>
-                </a:solidFill>
-                <a:latin typeface="微軟正黑體" pitchFamily="34" charset="-120"/>
-                <a:ea typeface="微軟正黑體" pitchFamily="34" charset="-120"/>
-              </a:rPr>
-              <a:t>離開</a:t>
-            </a:r>
-            <a:endParaRPr lang="en-US" altLang="zh-TW" sz="5400" b="1" dirty="0" smtClean="0">
+            <a:pPr algn="ctr"/>
+            <a:r>
+              <a:rPr lang="en-US" sz="4000" b="1" dirty="0">
+                <a:solidFill>
+                  <a:srgbClr val="000066"/>
+                </a:solidFill>
+                <a:latin typeface="Microsoft JhengHei" panose="020B0604030504040204" pitchFamily="34" charset="-120"/>
+                <a:ea typeface="Microsoft JhengHei" panose="020B0604030504040204" pitchFamily="34" charset="-120"/>
+              </a:rPr>
+              <a:t>( </a:t>
+            </a:r>
+            <a:r>
+              <a:rPr lang="zh-CN" altLang="en-US" sz="4000" b="1" dirty="0">
+                <a:solidFill>
+                  <a:srgbClr val="000066"/>
+                </a:solidFill>
+                <a:latin typeface="Microsoft JhengHei" panose="020B0604030504040204" pitchFamily="34" charset="-120"/>
+                <a:ea typeface="Microsoft JhengHei" panose="020B0604030504040204" pitchFamily="34" charset="-120"/>
+              </a:rPr>
+              <a:t>正</a:t>
+            </a:r>
+            <a:r>
+              <a:rPr lang="en-US" sz="4000" b="1" dirty="0">
+                <a:solidFill>
+                  <a:srgbClr val="000066"/>
+                </a:solidFill>
+                <a:latin typeface="Microsoft JhengHei" panose="020B0604030504040204" pitchFamily="34" charset="-120"/>
+                <a:ea typeface="Microsoft JhengHei" panose="020B0604030504040204" pitchFamily="34" charset="-120"/>
+              </a:rPr>
+              <a:t> )</a:t>
+            </a:r>
+            <a:endParaRPr lang="vi-VN" sz="4000" b="1" dirty="0">
               <a:solidFill>
                 <a:srgbClr val="000066"/>
               </a:solidFill>
-              <a:latin typeface="微軟正黑體" pitchFamily="34" charset="-120"/>
-              <a:ea typeface="微軟正黑體" pitchFamily="34" charset="-120"/>
+              <a:ea typeface="Microsoft JhengHei" panose="020B0604030504040204" pitchFamily="34" charset="-120"/>
             </a:endParaRPr>
           </a:p>
-          <a:p>
-            <a:pPr algn="ctr">
-              <a:buNone/>
-            </a:pPr>
-            <a:r>
-              <a:rPr lang="zh-TW" altLang="en-US" sz="5400" b="1" dirty="0" smtClean="0">
-                <a:solidFill>
-                  <a:srgbClr val="000066"/>
-                </a:solidFill>
-                <a:latin typeface="微軟正黑體" pitchFamily="34" charset="-120"/>
-                <a:ea typeface="微軟正黑體" pitchFamily="34" charset="-120"/>
-              </a:rPr>
-              <a:t>讚</a:t>
-            </a:r>
-            <a:r>
-              <a:rPr lang="zh-TW" altLang="en-US" sz="5400" b="1" dirty="0">
-                <a:solidFill>
-                  <a:srgbClr val="000066"/>
-                </a:solidFill>
-                <a:latin typeface="微軟正黑體" pitchFamily="34" charset="-120"/>
-                <a:ea typeface="微軟正黑體" pitchFamily="34" charset="-120"/>
-              </a:rPr>
-              <a:t>歎再造厚恩不可</a:t>
-            </a:r>
-            <a:r>
-              <a:rPr lang="zh-TW" altLang="en-US" sz="5400" b="1" dirty="0" smtClean="0">
-                <a:solidFill>
-                  <a:srgbClr val="000066"/>
-                </a:solidFill>
-                <a:latin typeface="微軟正黑體" pitchFamily="34" charset="-120"/>
-                <a:ea typeface="微軟正黑體" pitchFamily="34" charset="-120"/>
-              </a:rPr>
-              <a:t>替代</a:t>
-            </a:r>
-            <a:endParaRPr lang="en-US" altLang="zh-TW" sz="5400" b="1" dirty="0">
-              <a:solidFill>
-                <a:srgbClr val="000066"/>
-              </a:solidFill>
-              <a:latin typeface="微軟正黑體" pitchFamily="34" charset="-120"/>
-              <a:ea typeface="微軟正黑體" pitchFamily="34" charset="-120"/>
-            </a:endParaRPr>
-          </a:p>
-          <a:p>
-            <a:pPr algn="ctr">
-              <a:buNone/>
-            </a:pPr>
-            <a:r>
-              <a:rPr lang="zh-TW" altLang="en-US" sz="5400" b="1" dirty="0" smtClean="0">
-                <a:solidFill>
-                  <a:srgbClr val="000066"/>
-                </a:solidFill>
-                <a:latin typeface="微軟正黑體" pitchFamily="34" charset="-120"/>
-                <a:ea typeface="微軟正黑體" pitchFamily="34" charset="-120"/>
-              </a:rPr>
-              <a:t>萬事</a:t>
-            </a:r>
-            <a:r>
-              <a:rPr lang="zh-TW" altLang="en-US" sz="5400" b="1" dirty="0">
-                <a:solidFill>
-                  <a:srgbClr val="000066"/>
-                </a:solidFill>
-                <a:latin typeface="微軟正黑體" pitchFamily="34" charset="-120"/>
-                <a:ea typeface="微軟正黑體" pitchFamily="34" charset="-120"/>
-              </a:rPr>
-              <a:t>盡</a:t>
-            </a:r>
-            <a:r>
-              <a:rPr lang="zh-TW" altLang="en-US" sz="5400" b="1" dirty="0" smtClean="0">
-                <a:solidFill>
-                  <a:srgbClr val="000066"/>
-                </a:solidFill>
-                <a:latin typeface="微軟正黑體" pitchFamily="34" charset="-120"/>
-                <a:ea typeface="微軟正黑體" pitchFamily="34" charset="-120"/>
-              </a:rPr>
-              <a:t>放開</a:t>
-            </a:r>
-            <a:endParaRPr lang="en-US" altLang="zh-TW" sz="5400" b="1" dirty="0" smtClean="0">
-              <a:solidFill>
-                <a:srgbClr val="000066"/>
-              </a:solidFill>
-              <a:latin typeface="微軟正黑體" pitchFamily="34" charset="-120"/>
-              <a:ea typeface="微軟正黑體" pitchFamily="34" charset="-120"/>
-            </a:endParaRPr>
-          </a:p>
-          <a:p>
-            <a:pPr algn="ctr">
-              <a:buNone/>
-            </a:pPr>
-            <a:r>
-              <a:rPr lang="zh-TW" altLang="en-US" sz="5400" b="1" dirty="0" smtClean="0">
-                <a:solidFill>
-                  <a:srgbClr val="000066"/>
-                </a:solidFill>
-                <a:latin typeface="微軟正黑體" pitchFamily="34" charset="-120"/>
-                <a:ea typeface="微軟正黑體" pitchFamily="34" charset="-120"/>
-              </a:rPr>
-              <a:t>前程</a:t>
-            </a:r>
-            <a:r>
-              <a:rPr lang="zh-TW" altLang="en-US" sz="5400" b="1" dirty="0" smtClean="0">
-                <a:solidFill>
-                  <a:srgbClr val="000066"/>
-                </a:solidFill>
-                <a:latin typeface="微軟正黑體" pitchFamily="34" charset="-120"/>
-                <a:ea typeface="微軟正黑體" pitchFamily="34" charset="-120"/>
-              </a:rPr>
-              <a:t>由</a:t>
-            </a:r>
-            <a:r>
-              <a:rPr lang="zh-CN" altLang="en-US" sz="5400" b="1" dirty="0">
-                <a:solidFill>
-                  <a:srgbClr val="000066"/>
-                </a:solidFill>
-                <a:latin typeface="微軟正黑體" pitchFamily="34" charset="-120"/>
-                <a:ea typeface="微軟正黑體" pitchFamily="34" charset="-120"/>
-              </a:rPr>
-              <a:t>袮</a:t>
-            </a:r>
-            <a:r>
-              <a:rPr lang="zh-TW" altLang="en-US" sz="5400" b="1" dirty="0" smtClean="0">
-                <a:solidFill>
-                  <a:srgbClr val="000066"/>
-                </a:solidFill>
-                <a:latin typeface="微軟正黑體" pitchFamily="34" charset="-120"/>
-                <a:ea typeface="微軟正黑體" pitchFamily="34" charset="-120"/>
-              </a:rPr>
-              <a:t>主</a:t>
-            </a:r>
-            <a:r>
-              <a:rPr lang="zh-TW" altLang="en-US" sz="5400" b="1" dirty="0" smtClean="0">
-                <a:solidFill>
-                  <a:srgbClr val="000066"/>
-                </a:solidFill>
-                <a:latin typeface="微軟正黑體" pitchFamily="34" charset="-120"/>
-                <a:ea typeface="微軟正黑體" pitchFamily="34" charset="-120"/>
-              </a:rPr>
-              <a:t>宰  永</a:t>
-            </a:r>
-            <a:r>
-              <a:rPr lang="zh-TW" altLang="en-US" sz="5400" b="1" dirty="0">
-                <a:solidFill>
-                  <a:srgbClr val="000066"/>
-                </a:solidFill>
-                <a:latin typeface="微軟正黑體" pitchFamily="34" charset="-120"/>
-                <a:ea typeface="微軟正黑體" pitchFamily="34" charset="-120"/>
-              </a:rPr>
-              <a:t>沒變改</a:t>
-            </a:r>
-          </a:p>
         </p:txBody>
       </p:sp>
     </p:spTree>
+    <p:extLst>
+      <p:ext uri="{BB962C8B-B14F-4D97-AF65-F5344CB8AC3E}">
+        <p14:creationId xmlns:p14="http://schemas.microsoft.com/office/powerpoint/2010/main" val="37543254"/>
+      </p:ext>
+    </p:extLst>
   </p:cSld>
   <p:clrMapOvr>
     <a:masterClrMapping/>
@@ -3854,30 +3470,40 @@
       </p:grpSpPr>
       <p:sp>
         <p:nvSpPr>
-          <p:cNvPr id="4" name="標題 3"/>
-          <p:cNvSpPr>
-            <a:spLocks noGrp="1"/>
-          </p:cNvSpPr>
-          <p:nvPr>
-            <p:ph type="title"/>
-          </p:nvPr>
-        </p:nvSpPr>
-        <p:spPr/>
-        <p:txBody>
-          <a:bodyPr/>
-          <a:lstStyle/>
-          <a:p>
-            <a:r>
-              <a:rPr lang="zh-TW" altLang="en-US" b="1" dirty="0" smtClean="0">
+          <p:cNvPr id="5" name="內容版面配置區 4"/>
+          <p:cNvSpPr>
+            <a:spLocks noGrp="1"/>
+          </p:cNvSpPr>
+          <p:nvPr>
+            <p:ph idx="1"/>
+          </p:nvPr>
+        </p:nvSpPr>
+        <p:spPr>
+          <a:xfrm>
+            <a:off x="0" y="2084851"/>
+            <a:ext cx="12192000" cy="2404863"/>
+          </a:xfrm>
+        </p:spPr>
+        <p:txBody>
+          <a:bodyPr anchor="ctr">
+            <a:normAutofit/>
+          </a:bodyPr>
+          <a:lstStyle/>
+          <a:p>
+            <a:pPr algn="ctr">
+              <a:buNone/>
+            </a:pPr>
+            <a:r>
+              <a:rPr lang="zh-TW" altLang="en-US" sz="6400" b="1" dirty="0">
                 <a:solidFill>
                   <a:srgbClr val="000066"/>
                 </a:solidFill>
                 <a:latin typeface="微軟正黑體" pitchFamily="34" charset="-120"/>
                 <a:ea typeface="微軟正黑體" pitchFamily="34" charset="-120"/>
               </a:rPr>
-              <a:t>天天歌唱</a:t>
-            </a:r>
-            <a:endParaRPr lang="zh-TW" altLang="en-US" b="1" dirty="0">
+              <a:t>天天歌唱未怕迎狂風</a:t>
+            </a:r>
+            <a:endParaRPr lang="en-US" altLang="zh-TW" sz="6400" b="1" dirty="0">
               <a:solidFill>
                 <a:srgbClr val="000066"/>
               </a:solidFill>
@@ -3885,74 +3511,41 @@
               <a:ea typeface="微軟正黑體" pitchFamily="34" charset="-120"/>
             </a:endParaRPr>
           </a:p>
-        </p:txBody>
-      </p:sp>
-      <p:sp>
-        <p:nvSpPr>
-          <p:cNvPr id="5" name="內容版面配置區 4"/>
-          <p:cNvSpPr>
-            <a:spLocks noGrp="1"/>
-          </p:cNvSpPr>
-          <p:nvPr>
-            <p:ph idx="1"/>
-          </p:nvPr>
-        </p:nvSpPr>
-        <p:spPr>
-          <a:xfrm>
-            <a:off x="1524000" y="1600200"/>
-            <a:ext cx="9144000" cy="4525963"/>
-          </a:xfrm>
-        </p:spPr>
-        <p:txBody>
-          <a:bodyPr>
-            <a:normAutofit/>
-          </a:bodyPr>
-          <a:lstStyle/>
           <a:p>
             <a:pPr algn="ctr">
               <a:buNone/>
             </a:pPr>
             <a:r>
-              <a:rPr lang="zh-TW" altLang="en-US" sz="5400" b="1" dirty="0">
+              <a:rPr lang="zh-TW" altLang="en-US" sz="6400" b="1" dirty="0">
                 <a:solidFill>
                   <a:srgbClr val="000066"/>
                 </a:solidFill>
                 <a:latin typeface="微軟正黑體" pitchFamily="34" charset="-120"/>
                 <a:ea typeface="微軟正黑體" pitchFamily="34" charset="-120"/>
               </a:rPr>
-              <a:t>神</a:t>
-            </a:r>
-            <a:r>
-              <a:rPr lang="zh-TW" altLang="en-US" sz="5400" b="1" dirty="0" smtClean="0">
+              <a:t>有</a:t>
+            </a:r>
+            <a:r>
+              <a:rPr lang="zh-CN" altLang="en-US" sz="6400" b="1" dirty="0">
                 <a:solidFill>
                   <a:srgbClr val="000066"/>
                 </a:solidFill>
                 <a:latin typeface="微軟正黑體" pitchFamily="34" charset="-120"/>
                 <a:ea typeface="微軟正黑體" pitchFamily="34" charset="-120"/>
               </a:rPr>
-              <a:t>呀  我</a:t>
-            </a:r>
-            <a:r>
-              <a:rPr lang="zh-TW" altLang="en-US" sz="5400" b="1" dirty="0">
+              <a:t>袮</a:t>
+            </a:r>
+            <a:r>
+              <a:rPr lang="zh-TW" altLang="en-US" sz="6400" b="1" dirty="0">
                 <a:solidFill>
                   <a:srgbClr val="000066"/>
                 </a:solidFill>
                 <a:latin typeface="微軟正黑體" pitchFamily="34" charset="-120"/>
                 <a:ea typeface="微軟正黑體" pitchFamily="34" charset="-120"/>
               </a:rPr>
-              <a:t>感激恩手永不曾</a:t>
-            </a:r>
-            <a:r>
-              <a:rPr lang="zh-TW" altLang="en-US" sz="5400" b="1" dirty="0" smtClean="0">
-                <a:solidFill>
-                  <a:srgbClr val="000066"/>
-                </a:solidFill>
-                <a:latin typeface="微軟正黑體" pitchFamily="34" charset="-120"/>
-                <a:ea typeface="微軟正黑體" pitchFamily="34" charset="-120"/>
-              </a:rPr>
-              <a:t>離開</a:t>
-            </a:r>
-            <a:endParaRPr lang="en-US" altLang="zh-TW" sz="5400" b="1" dirty="0" smtClean="0">
+              <a:t>結伴每刻恩典夠用</a:t>
+            </a:r>
+            <a:endParaRPr lang="en-US" altLang="zh-TW" sz="6400" b="1" dirty="0">
               <a:solidFill>
                 <a:srgbClr val="000066"/>
               </a:solidFill>
@@ -3960,41 +3553,136 @@
               <a:ea typeface="微軟正黑體" pitchFamily="34" charset="-120"/>
             </a:endParaRPr>
           </a:p>
+        </p:txBody>
+      </p:sp>
+      <p:sp>
+        <p:nvSpPr>
+          <p:cNvPr id="3" name="TextBox 2"/>
+          <p:cNvSpPr txBox="1"/>
+          <p:nvPr/>
+        </p:nvSpPr>
+        <p:spPr>
+          <a:xfrm>
+            <a:off x="0" y="5157192"/>
+            <a:ext cx="12192000" cy="707886"/>
+          </a:xfrm>
+          <a:prstGeom prst="rect">
+            <a:avLst/>
+          </a:prstGeom>
+          <a:noFill/>
+        </p:spPr>
+        <p:txBody>
+          <a:bodyPr wrap="square" rtlCol="0">
+            <a:spAutoFit/>
+          </a:bodyPr>
+          <a:lstStyle/>
+          <a:p>
+            <a:pPr algn="ctr"/>
+            <a:r>
+              <a:rPr lang="en-US" sz="4000" b="1" dirty="0">
+                <a:solidFill>
+                  <a:srgbClr val="000066"/>
+                </a:solidFill>
+                <a:latin typeface="Microsoft JhengHei" panose="020B0604030504040204" pitchFamily="34" charset="-120"/>
+                <a:ea typeface="Microsoft JhengHei" panose="020B0604030504040204" pitchFamily="34" charset="-120"/>
+              </a:rPr>
+              <a:t>( </a:t>
+            </a:r>
+            <a:r>
+              <a:rPr lang="zh-CN" altLang="en-US" sz="4000" b="1" dirty="0">
+                <a:solidFill>
+                  <a:srgbClr val="000066"/>
+                </a:solidFill>
+                <a:latin typeface="Microsoft JhengHei" panose="020B0604030504040204" pitchFamily="34" charset="-120"/>
+                <a:ea typeface="Microsoft JhengHei" panose="020B0604030504040204" pitchFamily="34" charset="-120"/>
+              </a:rPr>
+              <a:t>正</a:t>
+            </a:r>
+            <a:r>
+              <a:rPr lang="en-US" sz="4000" b="1" dirty="0">
+                <a:solidFill>
+                  <a:srgbClr val="000066"/>
+                </a:solidFill>
+                <a:latin typeface="Microsoft JhengHei" panose="020B0604030504040204" pitchFamily="34" charset="-120"/>
+                <a:ea typeface="Microsoft JhengHei" panose="020B0604030504040204" pitchFamily="34" charset="-120"/>
+              </a:rPr>
+              <a:t> )</a:t>
+            </a:r>
+            <a:endParaRPr lang="vi-VN" sz="4000" b="1" dirty="0">
+              <a:solidFill>
+                <a:srgbClr val="000066"/>
+              </a:solidFill>
+              <a:ea typeface="Microsoft JhengHei" panose="020B0604030504040204" pitchFamily="34" charset="-120"/>
+            </a:endParaRPr>
+          </a:p>
+        </p:txBody>
+      </p:sp>
+    </p:spTree>
+    <p:extLst>
+      <p:ext uri="{BB962C8B-B14F-4D97-AF65-F5344CB8AC3E}">
+        <p14:creationId xmlns:p14="http://schemas.microsoft.com/office/powerpoint/2010/main" val="4278297088"/>
+      </p:ext>
+    </p:extLst>
+  </p:cSld>
+  <p:clrMapOvr>
+    <a:masterClrMapping/>
+  </p:clrMapOvr>
+</p:sld>
+</file>
+
+<file path=ppt/slides/slide5.xml><?xml version="1.0" encoding="utf-8"?>
+<p:sld xmlns:a="http://schemas.openxmlformats.org/drawingml/2006/main" xmlns:r="http://schemas.openxmlformats.org/officeDocument/2006/relationships" xmlns:p="http://schemas.openxmlformats.org/presentationml/2006/main">
+  <p:cSld>
+    <p:spTree>
+      <p:nvGrpSpPr>
+        <p:cNvPr id="1" name=""/>
+        <p:cNvGrpSpPr/>
+        <p:nvPr/>
+      </p:nvGrpSpPr>
+      <p:grpSpPr>
+        <a:xfrm>
+          <a:off x="0" y="0"/>
+          <a:ext cx="0" cy="0"/>
+          <a:chOff x="0" y="0"/>
+          <a:chExt cx="0" cy="0"/>
+        </a:xfrm>
+      </p:grpSpPr>
+      <p:sp>
+        <p:nvSpPr>
+          <p:cNvPr id="5" name="內容版面配置區 4"/>
+          <p:cNvSpPr>
+            <a:spLocks noGrp="1"/>
+          </p:cNvSpPr>
+          <p:nvPr>
+            <p:ph idx="1"/>
+          </p:nvPr>
+        </p:nvSpPr>
+        <p:spPr>
+          <a:xfrm>
+            <a:off x="0" y="2084851"/>
+            <a:ext cx="12192000" cy="2404863"/>
+          </a:xfrm>
+        </p:spPr>
+        <p:txBody>
+          <a:bodyPr anchor="ctr">
+            <a:normAutofit/>
+          </a:bodyPr>
+          <a:lstStyle/>
           <a:p>
             <a:pPr algn="ctr">
               <a:buNone/>
             </a:pPr>
             <a:r>
-              <a:rPr lang="zh-TW" altLang="en-US" sz="5400" b="1" dirty="0" smtClean="0">
+              <a:rPr lang="zh-TW" altLang="en-US" sz="6400" b="1" dirty="0">
                 <a:solidFill>
                   <a:srgbClr val="000066"/>
                 </a:solidFill>
                 <a:latin typeface="微軟正黑體" pitchFamily="34" charset="-120"/>
                 <a:ea typeface="微軟正黑體" pitchFamily="34" charset="-120"/>
               </a:rPr>
-              <a:t>讚</a:t>
-            </a:r>
-            <a:r>
-              <a:rPr lang="zh-TW" altLang="en-US" sz="5400" b="1" dirty="0">
-                <a:solidFill>
-                  <a:srgbClr val="000066"/>
-                </a:solidFill>
-                <a:latin typeface="微軟正黑體" pitchFamily="34" charset="-120"/>
-                <a:ea typeface="微軟正黑體" pitchFamily="34" charset="-120"/>
-              </a:rPr>
-              <a:t>歎再造厚恩不可</a:t>
-            </a:r>
-            <a:r>
-              <a:rPr lang="zh-TW" altLang="en-US" sz="5400" b="1" dirty="0" smtClean="0">
-                <a:solidFill>
-                  <a:srgbClr val="000066"/>
-                </a:solidFill>
-                <a:latin typeface="微軟正黑體" pitchFamily="34" charset="-120"/>
-                <a:ea typeface="微軟正黑體" pitchFamily="34" charset="-120"/>
-              </a:rPr>
-              <a:t>替代</a:t>
-            </a:r>
-            <a:endParaRPr lang="en-US" altLang="zh-TW" sz="5400" b="1" dirty="0">
+              <a:t>邁步浪裡衝</a:t>
+            </a:r>
+            <a:endParaRPr lang="en-US" altLang="zh-TW" sz="6400" b="1" dirty="0">
               <a:solidFill>
                 <a:srgbClr val="000066"/>
               </a:solidFill>
@@ -4007,36 +3695,166 @@
               <a:buNone/>
             </a:pPr>
             <a:r>
-              <a:rPr lang="zh-TW" altLang="en-US" sz="5400" b="1" dirty="0" smtClean="0">
+              <a:rPr lang="zh-TW" altLang="en-US" sz="6400" b="1" dirty="0">
                 <a:solidFill>
                   <a:srgbClr val="000066"/>
                 </a:solidFill>
                 <a:latin typeface="微軟正黑體" pitchFamily="34" charset="-120"/>
                 <a:ea typeface="微軟正黑體" pitchFamily="34" charset="-120"/>
               </a:rPr>
-              <a:t>萬事</a:t>
-            </a:r>
-            <a:r>
-              <a:rPr lang="zh-TW" altLang="en-US" sz="5400" b="1" dirty="0">
+              <a:t>何妨澎湃洶湧  </a:t>
+            </a:r>
+            <a:r>
+              <a:rPr lang="zh-CN" altLang="en-US" sz="6400" b="1" dirty="0">
                 <a:solidFill>
                   <a:srgbClr val="000066"/>
                 </a:solidFill>
                 <a:latin typeface="微軟正黑體" pitchFamily="34" charset="-120"/>
                 <a:ea typeface="微軟正黑體" pitchFamily="34" charset="-120"/>
               </a:rPr>
-              <a:t>盡</a:t>
-            </a:r>
-            <a:r>
-              <a:rPr lang="zh-TW" altLang="en-US" sz="5400" b="1" dirty="0" smtClean="0">
+              <a:t>袮</a:t>
+            </a:r>
+            <a:r>
+              <a:rPr lang="zh-TW" altLang="en-US" sz="6400" b="1" dirty="0">
                 <a:solidFill>
                   <a:srgbClr val="000066"/>
                 </a:solidFill>
                 <a:latin typeface="微軟正黑體" pitchFamily="34" charset="-120"/>
                 <a:ea typeface="微軟正黑體" pitchFamily="34" charset="-120"/>
               </a:rPr>
-              <a:t>放開</a:t>
-            </a:r>
-            <a:endParaRPr lang="en-US" altLang="zh-TW" sz="5400" b="1" dirty="0" smtClean="0">
+              <a:t>護送</a:t>
+            </a:r>
+          </a:p>
+        </p:txBody>
+      </p:sp>
+      <p:sp>
+        <p:nvSpPr>
+          <p:cNvPr id="3" name="TextBox 2"/>
+          <p:cNvSpPr txBox="1"/>
+          <p:nvPr/>
+        </p:nvSpPr>
+        <p:spPr>
+          <a:xfrm>
+            <a:off x="0" y="5157192"/>
+            <a:ext cx="12192000" cy="707886"/>
+          </a:xfrm>
+          <a:prstGeom prst="rect">
+            <a:avLst/>
+          </a:prstGeom>
+          <a:noFill/>
+        </p:spPr>
+        <p:txBody>
+          <a:bodyPr wrap="square" rtlCol="0">
+            <a:spAutoFit/>
+          </a:bodyPr>
+          <a:lstStyle/>
+          <a:p>
+            <a:pPr algn="ctr"/>
+            <a:r>
+              <a:rPr lang="en-US" sz="4000" b="1" dirty="0">
+                <a:solidFill>
+                  <a:srgbClr val="000066"/>
+                </a:solidFill>
+                <a:latin typeface="Microsoft JhengHei" panose="020B0604030504040204" pitchFamily="34" charset="-120"/>
+                <a:ea typeface="Microsoft JhengHei" panose="020B0604030504040204" pitchFamily="34" charset="-120"/>
+              </a:rPr>
+              <a:t>( </a:t>
+            </a:r>
+            <a:r>
+              <a:rPr lang="zh-CN" altLang="en-US" sz="4000" b="1" dirty="0">
+                <a:solidFill>
+                  <a:srgbClr val="000066"/>
+                </a:solidFill>
+                <a:latin typeface="Microsoft JhengHei" panose="020B0604030504040204" pitchFamily="34" charset="-120"/>
+                <a:ea typeface="Microsoft JhengHei" panose="020B0604030504040204" pitchFamily="34" charset="-120"/>
+              </a:rPr>
+              <a:t>正</a:t>
+            </a:r>
+            <a:r>
+              <a:rPr lang="en-US" sz="4000" b="1" dirty="0">
+                <a:solidFill>
+                  <a:srgbClr val="000066"/>
+                </a:solidFill>
+                <a:latin typeface="Microsoft JhengHei" panose="020B0604030504040204" pitchFamily="34" charset="-120"/>
+                <a:ea typeface="Microsoft JhengHei" panose="020B0604030504040204" pitchFamily="34" charset="-120"/>
+              </a:rPr>
+              <a:t> )</a:t>
+            </a:r>
+            <a:endParaRPr lang="vi-VN" sz="4000" b="1" dirty="0">
+              <a:solidFill>
+                <a:srgbClr val="000066"/>
+              </a:solidFill>
+              <a:ea typeface="Microsoft JhengHei" panose="020B0604030504040204" pitchFamily="34" charset="-120"/>
+            </a:endParaRPr>
+          </a:p>
+        </p:txBody>
+      </p:sp>
+    </p:spTree>
+    <p:extLst>
+      <p:ext uri="{BB962C8B-B14F-4D97-AF65-F5344CB8AC3E}">
+        <p14:creationId xmlns:p14="http://schemas.microsoft.com/office/powerpoint/2010/main" val="3473712352"/>
+      </p:ext>
+    </p:extLst>
+  </p:cSld>
+  <p:clrMapOvr>
+    <a:masterClrMapping/>
+  </p:clrMapOvr>
+</p:sld>
+</file>
+
+<file path=ppt/slides/slide6.xml><?xml version="1.0" encoding="utf-8"?>
+<p:sld xmlns:a="http://schemas.openxmlformats.org/drawingml/2006/main" xmlns:r="http://schemas.openxmlformats.org/officeDocument/2006/relationships" xmlns:p="http://schemas.openxmlformats.org/presentationml/2006/main">
+  <p:cSld>
+    <p:spTree>
+      <p:nvGrpSpPr>
+        <p:cNvPr id="1" name=""/>
+        <p:cNvGrpSpPr/>
+        <p:nvPr/>
+      </p:nvGrpSpPr>
+      <p:grpSpPr>
+        <a:xfrm>
+          <a:off x="0" y="0"/>
+          <a:ext cx="0" cy="0"/>
+          <a:chOff x="0" y="0"/>
+          <a:chExt cx="0" cy="0"/>
+        </a:xfrm>
+      </p:grpSpPr>
+      <p:sp>
+        <p:nvSpPr>
+          <p:cNvPr id="5" name="內容版面配置區 4"/>
+          <p:cNvSpPr>
+            <a:spLocks noGrp="1"/>
+          </p:cNvSpPr>
+          <p:nvPr>
+            <p:ph idx="1"/>
+          </p:nvPr>
+        </p:nvSpPr>
+        <p:spPr>
+          <a:xfrm>
+            <a:off x="0" y="2084851"/>
+            <a:ext cx="12192000" cy="2404863"/>
+          </a:xfrm>
+        </p:spPr>
+        <p:txBody>
+          <a:bodyPr anchor="ctr">
+            <a:normAutofit/>
+          </a:bodyPr>
+          <a:lstStyle/>
+          <a:p>
+            <a:pPr algn="ctr">
+              <a:buNone/>
+            </a:pPr>
+            <a:r>
+              <a:rPr lang="zh-TW" altLang="en-US" sz="6400" b="1" dirty="0">
+                <a:solidFill>
+                  <a:srgbClr val="000066"/>
+                </a:solidFill>
+                <a:latin typeface="微軟正黑體" pitchFamily="34" charset="-120"/>
+                <a:ea typeface="微軟正黑體" pitchFamily="34" charset="-120"/>
+              </a:rPr>
+              <a:t>神呀  我感激恩手永不曾離開</a:t>
+            </a:r>
+            <a:endParaRPr lang="en-US" altLang="zh-TW" sz="6400" b="1" dirty="0">
               <a:solidFill>
                 <a:srgbClr val="000066"/>
               </a:solidFill>
@@ -4049,79 +3867,656 @@
               <a:buNone/>
             </a:pPr>
             <a:r>
-              <a:rPr lang="zh-TW" altLang="en-US" sz="5400" b="1" dirty="0" smtClean="0">
+              <a:rPr lang="zh-TW" altLang="en-US" sz="6400" b="1" dirty="0">
                 <a:solidFill>
                   <a:srgbClr val="000066"/>
                 </a:solidFill>
                 <a:latin typeface="微軟正黑體" pitchFamily="34" charset="-120"/>
                 <a:ea typeface="微軟正黑體" pitchFamily="34" charset="-120"/>
               </a:rPr>
-              <a:t>前程</a:t>
-            </a:r>
-            <a:r>
-              <a:rPr lang="zh-TW" altLang="en-US" sz="5400" b="1" dirty="0" smtClean="0">
+              <a:t>讚歎再造厚恩不可替代</a:t>
+            </a:r>
+            <a:endParaRPr lang="en-US" altLang="zh-TW" sz="6400" b="1" dirty="0">
+              <a:solidFill>
+                <a:srgbClr val="000066"/>
+              </a:solidFill>
+              <a:latin typeface="微軟正黑體" pitchFamily="34" charset="-120"/>
+              <a:ea typeface="微軟正黑體" pitchFamily="34" charset="-120"/>
+            </a:endParaRPr>
+          </a:p>
+        </p:txBody>
+      </p:sp>
+      <p:sp>
+        <p:nvSpPr>
+          <p:cNvPr id="3" name="TextBox 2"/>
+          <p:cNvSpPr txBox="1"/>
+          <p:nvPr/>
+        </p:nvSpPr>
+        <p:spPr>
+          <a:xfrm>
+            <a:off x="0" y="5157192"/>
+            <a:ext cx="12192000" cy="707886"/>
+          </a:xfrm>
+          <a:prstGeom prst="rect">
+            <a:avLst/>
+          </a:prstGeom>
+          <a:noFill/>
+        </p:spPr>
+        <p:txBody>
+          <a:bodyPr wrap="square" rtlCol="0">
+            <a:spAutoFit/>
+          </a:bodyPr>
+          <a:lstStyle/>
+          <a:p>
+            <a:pPr algn="ctr"/>
+            <a:r>
+              <a:rPr lang="en-US" sz="4000" b="1" dirty="0">
+                <a:solidFill>
+                  <a:srgbClr val="000066"/>
+                </a:solidFill>
+                <a:latin typeface="Microsoft JhengHei" panose="020B0604030504040204" pitchFamily="34" charset="-120"/>
+                <a:ea typeface="Microsoft JhengHei" panose="020B0604030504040204" pitchFamily="34" charset="-120"/>
+              </a:rPr>
+              <a:t>( </a:t>
+            </a:r>
+            <a:r>
+              <a:rPr lang="zh-CN" altLang="en-US" sz="4000" b="1" dirty="0" smtClean="0">
+                <a:solidFill>
+                  <a:srgbClr val="000066"/>
+                </a:solidFill>
+                <a:latin typeface="Microsoft JhengHei" panose="020B0604030504040204" pitchFamily="34" charset="-120"/>
+                <a:ea typeface="Microsoft JhengHei" panose="020B0604030504040204" pitchFamily="34" charset="-120"/>
+              </a:rPr>
+              <a:t>副</a:t>
+            </a:r>
+            <a:r>
+              <a:rPr lang="en-US" sz="4000" b="1" dirty="0" smtClean="0">
+                <a:solidFill>
+                  <a:srgbClr val="000066"/>
+                </a:solidFill>
+                <a:latin typeface="Microsoft JhengHei" panose="020B0604030504040204" pitchFamily="34" charset="-120"/>
+                <a:ea typeface="Microsoft JhengHei" panose="020B0604030504040204" pitchFamily="34" charset="-120"/>
+              </a:rPr>
+              <a:t> </a:t>
+            </a:r>
+            <a:r>
+              <a:rPr lang="en-US" sz="4000" b="1" dirty="0">
+                <a:solidFill>
+                  <a:srgbClr val="000066"/>
+                </a:solidFill>
+                <a:latin typeface="Microsoft JhengHei" panose="020B0604030504040204" pitchFamily="34" charset="-120"/>
+                <a:ea typeface="Microsoft JhengHei" panose="020B0604030504040204" pitchFamily="34" charset="-120"/>
+              </a:rPr>
+              <a:t>)</a:t>
+            </a:r>
+            <a:endParaRPr lang="vi-VN" sz="4000" b="1" dirty="0">
+              <a:solidFill>
+                <a:srgbClr val="000066"/>
+              </a:solidFill>
+              <a:ea typeface="Microsoft JhengHei" panose="020B0604030504040204" pitchFamily="34" charset="-120"/>
+            </a:endParaRPr>
+          </a:p>
+        </p:txBody>
+      </p:sp>
+    </p:spTree>
+    <p:extLst>
+      <p:ext uri="{BB962C8B-B14F-4D97-AF65-F5344CB8AC3E}">
+        <p14:creationId xmlns:p14="http://schemas.microsoft.com/office/powerpoint/2010/main" val="523696786"/>
+      </p:ext>
+    </p:extLst>
+  </p:cSld>
+  <p:clrMapOvr>
+    <a:masterClrMapping/>
+  </p:clrMapOvr>
+</p:sld>
+</file>
+
+<file path=ppt/slides/slide7.xml><?xml version="1.0" encoding="utf-8"?>
+<p:sld xmlns:a="http://schemas.openxmlformats.org/drawingml/2006/main" xmlns:r="http://schemas.openxmlformats.org/officeDocument/2006/relationships" xmlns:p="http://schemas.openxmlformats.org/presentationml/2006/main">
+  <p:cSld>
+    <p:spTree>
+      <p:nvGrpSpPr>
+        <p:cNvPr id="1" name=""/>
+        <p:cNvGrpSpPr/>
+        <p:nvPr/>
+      </p:nvGrpSpPr>
+      <p:grpSpPr>
+        <a:xfrm>
+          <a:off x="0" y="0"/>
+          <a:ext cx="0" cy="0"/>
+          <a:chOff x="0" y="0"/>
+          <a:chExt cx="0" cy="0"/>
+        </a:xfrm>
+      </p:grpSpPr>
+      <p:sp>
+        <p:nvSpPr>
+          <p:cNvPr id="5" name="內容版面配置區 4"/>
+          <p:cNvSpPr>
+            <a:spLocks noGrp="1"/>
+          </p:cNvSpPr>
+          <p:nvPr>
+            <p:ph idx="1"/>
+          </p:nvPr>
+        </p:nvSpPr>
+        <p:spPr>
+          <a:xfrm>
+            <a:off x="0" y="2084851"/>
+            <a:ext cx="12192000" cy="2404863"/>
+          </a:xfrm>
+        </p:spPr>
+        <p:txBody>
+          <a:bodyPr anchor="ctr">
+            <a:normAutofit/>
+          </a:bodyPr>
+          <a:lstStyle/>
+          <a:p>
+            <a:pPr algn="ctr">
+              <a:buNone/>
+            </a:pPr>
+            <a:r>
+              <a:rPr lang="zh-TW" altLang="en-US" sz="6400" b="1" dirty="0">
                 <a:solidFill>
                   <a:srgbClr val="000066"/>
                 </a:solidFill>
                 <a:latin typeface="微軟正黑體" pitchFamily="34" charset="-120"/>
                 <a:ea typeface="微軟正黑體" pitchFamily="34" charset="-120"/>
               </a:rPr>
-              <a:t>由</a:t>
-            </a:r>
-            <a:r>
-              <a:rPr lang="zh-CN" altLang="en-US" sz="5400" b="1" dirty="0">
+              <a:t>萬事盡放開</a:t>
+            </a:r>
+            <a:endParaRPr lang="en-US" altLang="zh-TW" sz="6400" b="1" dirty="0">
+              <a:solidFill>
+                <a:srgbClr val="000066"/>
+              </a:solidFill>
+              <a:latin typeface="微軟正黑體" pitchFamily="34" charset="-120"/>
+              <a:ea typeface="微軟正黑體" pitchFamily="34" charset="-120"/>
+            </a:endParaRPr>
+          </a:p>
+          <a:p>
+            <a:pPr algn="ctr">
+              <a:buNone/>
+            </a:pPr>
+            <a:r>
+              <a:rPr lang="zh-TW" altLang="en-US" sz="6400" b="1" dirty="0">
                 <a:solidFill>
                   <a:srgbClr val="000066"/>
                 </a:solidFill>
                 <a:latin typeface="微軟正黑體" pitchFamily="34" charset="-120"/>
                 <a:ea typeface="微軟正黑體" pitchFamily="34" charset="-120"/>
               </a:rPr>
-              <a:t>袮</a:t>
-            </a:r>
-            <a:r>
-              <a:rPr lang="zh-TW" altLang="en-US" sz="5400" b="1" dirty="0" smtClean="0">
+              <a:t>前程由</a:t>
+            </a:r>
+            <a:r>
+              <a:rPr lang="zh-CN" altLang="en-US" sz="6400" b="1" dirty="0">
                 <a:solidFill>
                   <a:srgbClr val="000066"/>
                 </a:solidFill>
                 <a:latin typeface="微軟正黑體" pitchFamily="34" charset="-120"/>
                 <a:ea typeface="微軟正黑體" pitchFamily="34" charset="-120"/>
               </a:rPr>
-              <a:t>主宰  </a:t>
-            </a:r>
-            <a:r>
-              <a:rPr lang="zh-CN" altLang="en-US" sz="5400" b="1" dirty="0" smtClean="0">
+              <a:t>袮</a:t>
+            </a:r>
+            <a:r>
+              <a:rPr lang="zh-TW" altLang="en-US" sz="6400" b="1" dirty="0">
                 <a:solidFill>
                   <a:srgbClr val="000066"/>
                 </a:solidFill>
                 <a:latin typeface="微軟正黑體" pitchFamily="34" charset="-120"/>
                 <a:ea typeface="微軟正黑體" pitchFamily="34" charset="-120"/>
               </a:rPr>
-              <a:t>袮</a:t>
-            </a:r>
-            <a:r>
-              <a:rPr lang="zh-TW" altLang="en-US" sz="5400" b="1" dirty="0" smtClean="0">
+              <a:t>主宰  永沒變改</a:t>
+            </a:r>
+          </a:p>
+        </p:txBody>
+      </p:sp>
+      <p:sp>
+        <p:nvSpPr>
+          <p:cNvPr id="3" name="TextBox 2"/>
+          <p:cNvSpPr txBox="1"/>
+          <p:nvPr/>
+        </p:nvSpPr>
+        <p:spPr>
+          <a:xfrm>
+            <a:off x="0" y="5157192"/>
+            <a:ext cx="12192000" cy="707886"/>
+          </a:xfrm>
+          <a:prstGeom prst="rect">
+            <a:avLst/>
+          </a:prstGeom>
+          <a:noFill/>
+        </p:spPr>
+        <p:txBody>
+          <a:bodyPr wrap="square" rtlCol="0">
+            <a:spAutoFit/>
+          </a:bodyPr>
+          <a:lstStyle/>
+          <a:p>
+            <a:pPr algn="ctr"/>
+            <a:r>
+              <a:rPr lang="en-US" sz="4000" b="1" dirty="0">
+                <a:solidFill>
+                  <a:srgbClr val="000066"/>
+                </a:solidFill>
+                <a:latin typeface="Microsoft JhengHei" panose="020B0604030504040204" pitchFamily="34" charset="-120"/>
+                <a:ea typeface="Microsoft JhengHei" panose="020B0604030504040204" pitchFamily="34" charset="-120"/>
+              </a:rPr>
+              <a:t>( </a:t>
+            </a:r>
+            <a:r>
+              <a:rPr lang="zh-CN" altLang="en-US" sz="4000" b="1" dirty="0" smtClean="0">
+                <a:solidFill>
+                  <a:srgbClr val="000066"/>
+                </a:solidFill>
+                <a:latin typeface="Microsoft JhengHei" panose="020B0604030504040204" pitchFamily="34" charset="-120"/>
+                <a:ea typeface="Microsoft JhengHei" panose="020B0604030504040204" pitchFamily="34" charset="-120"/>
+              </a:rPr>
+              <a:t>副</a:t>
+            </a:r>
+            <a:r>
+              <a:rPr lang="en-US" sz="4000" b="1" dirty="0" smtClean="0">
+                <a:solidFill>
+                  <a:srgbClr val="000066"/>
+                </a:solidFill>
+                <a:latin typeface="Microsoft JhengHei" panose="020B0604030504040204" pitchFamily="34" charset="-120"/>
+                <a:ea typeface="Microsoft JhengHei" panose="020B0604030504040204" pitchFamily="34" charset="-120"/>
+              </a:rPr>
+              <a:t> </a:t>
+            </a:r>
+            <a:r>
+              <a:rPr lang="en-US" sz="4000" b="1" dirty="0">
+                <a:solidFill>
+                  <a:srgbClr val="000066"/>
+                </a:solidFill>
+                <a:latin typeface="Microsoft JhengHei" panose="020B0604030504040204" pitchFamily="34" charset="-120"/>
+                <a:ea typeface="Microsoft JhengHei" panose="020B0604030504040204" pitchFamily="34" charset="-120"/>
+              </a:rPr>
+              <a:t>)</a:t>
+            </a:r>
+            <a:endParaRPr lang="vi-VN" sz="4000" b="1" dirty="0">
+              <a:solidFill>
+                <a:srgbClr val="000066"/>
+              </a:solidFill>
+              <a:ea typeface="Microsoft JhengHei" panose="020B0604030504040204" pitchFamily="34" charset="-120"/>
+            </a:endParaRPr>
+          </a:p>
+        </p:txBody>
+      </p:sp>
+    </p:spTree>
+    <p:extLst>
+      <p:ext uri="{BB962C8B-B14F-4D97-AF65-F5344CB8AC3E}">
+        <p14:creationId xmlns:p14="http://schemas.microsoft.com/office/powerpoint/2010/main" val="363685315"/>
+      </p:ext>
+    </p:extLst>
+  </p:cSld>
+  <p:clrMapOvr>
+    <a:masterClrMapping/>
+  </p:clrMapOvr>
+</p:sld>
+</file>
+
+<file path=ppt/slides/slide8.xml><?xml version="1.0" encoding="utf-8"?>
+<p:sld xmlns:a="http://schemas.openxmlformats.org/drawingml/2006/main" xmlns:r="http://schemas.openxmlformats.org/officeDocument/2006/relationships" xmlns:p="http://schemas.openxmlformats.org/presentationml/2006/main">
+  <p:cSld>
+    <p:spTree>
+      <p:nvGrpSpPr>
+        <p:cNvPr id="1" name=""/>
+        <p:cNvGrpSpPr/>
+        <p:nvPr/>
+      </p:nvGrpSpPr>
+      <p:grpSpPr>
+        <a:xfrm>
+          <a:off x="0" y="0"/>
+          <a:ext cx="0" cy="0"/>
+          <a:chOff x="0" y="0"/>
+          <a:chExt cx="0" cy="0"/>
+        </a:xfrm>
+      </p:grpSpPr>
+      <p:sp>
+        <p:nvSpPr>
+          <p:cNvPr id="5" name="內容版面配置區 4"/>
+          <p:cNvSpPr>
+            <a:spLocks noGrp="1"/>
+          </p:cNvSpPr>
+          <p:nvPr>
+            <p:ph idx="1"/>
+          </p:nvPr>
+        </p:nvSpPr>
+        <p:spPr>
+          <a:xfrm>
+            <a:off x="0" y="2084851"/>
+            <a:ext cx="12192000" cy="2404863"/>
+          </a:xfrm>
+        </p:spPr>
+        <p:txBody>
+          <a:bodyPr anchor="ctr">
+            <a:normAutofit/>
+          </a:bodyPr>
+          <a:lstStyle/>
+          <a:p>
+            <a:pPr algn="ctr">
+              <a:buNone/>
+            </a:pPr>
+            <a:r>
+              <a:rPr lang="zh-TW" altLang="en-US" sz="6400" b="1" dirty="0">
                 <a:solidFill>
                   <a:srgbClr val="000066"/>
                 </a:solidFill>
                 <a:latin typeface="微軟正黑體" pitchFamily="34" charset="-120"/>
                 <a:ea typeface="微軟正黑體" pitchFamily="34" charset="-120"/>
               </a:rPr>
-              <a:t>是</a:t>
-            </a:r>
-            <a:r>
-              <a:rPr lang="zh-TW" altLang="en-US" sz="5400" b="1" dirty="0">
+              <a:t>神呀  我感激恩手永不曾離開</a:t>
+            </a:r>
+            <a:endParaRPr lang="en-US" altLang="zh-TW" sz="6400" b="1" dirty="0">
+              <a:solidFill>
+                <a:srgbClr val="000066"/>
+              </a:solidFill>
+              <a:latin typeface="微軟正黑體" pitchFamily="34" charset="-120"/>
+              <a:ea typeface="微軟正黑體" pitchFamily="34" charset="-120"/>
+            </a:endParaRPr>
+          </a:p>
+          <a:p>
+            <a:pPr algn="ctr">
+              <a:buNone/>
+            </a:pPr>
+            <a:r>
+              <a:rPr lang="zh-TW" altLang="en-US" sz="6400" b="1" dirty="0">
                 <a:solidFill>
                   <a:srgbClr val="000066"/>
                 </a:solidFill>
                 <a:latin typeface="微軟正黑體" pitchFamily="34" charset="-120"/>
                 <a:ea typeface="微軟正黑體" pitchFamily="34" charset="-120"/>
               </a:rPr>
-              <a:t>愛</a:t>
-            </a:r>
+              <a:t>讚歎再造厚恩不可替代</a:t>
+            </a:r>
+            <a:endParaRPr lang="en-US" altLang="zh-TW" sz="6400" b="1" dirty="0">
+              <a:solidFill>
+                <a:srgbClr val="000066"/>
+              </a:solidFill>
+              <a:latin typeface="微軟正黑體" pitchFamily="34" charset="-120"/>
+              <a:ea typeface="微軟正黑體" pitchFamily="34" charset="-120"/>
+            </a:endParaRPr>
+          </a:p>
+        </p:txBody>
+      </p:sp>
+      <p:sp>
+        <p:nvSpPr>
+          <p:cNvPr id="3" name="TextBox 2"/>
+          <p:cNvSpPr txBox="1"/>
+          <p:nvPr/>
+        </p:nvSpPr>
+        <p:spPr>
+          <a:xfrm>
+            <a:off x="0" y="5157192"/>
+            <a:ext cx="12192000" cy="707886"/>
+          </a:xfrm>
+          <a:prstGeom prst="rect">
+            <a:avLst/>
+          </a:prstGeom>
+          <a:noFill/>
+        </p:spPr>
+        <p:txBody>
+          <a:bodyPr wrap="square" rtlCol="0">
+            <a:spAutoFit/>
+          </a:bodyPr>
+          <a:lstStyle/>
+          <a:p>
+            <a:pPr algn="ctr"/>
+            <a:r>
+              <a:rPr lang="en-US" sz="4000" b="1" dirty="0">
+                <a:solidFill>
+                  <a:srgbClr val="000066"/>
+                </a:solidFill>
+                <a:latin typeface="Microsoft JhengHei" panose="020B0604030504040204" pitchFamily="34" charset="-120"/>
+                <a:ea typeface="Microsoft JhengHei" panose="020B0604030504040204" pitchFamily="34" charset="-120"/>
+              </a:rPr>
+              <a:t>( </a:t>
+            </a:r>
+            <a:r>
+              <a:rPr lang="zh-CN" altLang="en-US" sz="4000" b="1" dirty="0" smtClean="0">
+                <a:solidFill>
+                  <a:srgbClr val="000066"/>
+                </a:solidFill>
+                <a:latin typeface="Microsoft JhengHei" panose="020B0604030504040204" pitchFamily="34" charset="-120"/>
+                <a:ea typeface="Microsoft JhengHei" panose="020B0604030504040204" pitchFamily="34" charset="-120"/>
+              </a:rPr>
+              <a:t>副</a:t>
+            </a:r>
+            <a:r>
+              <a:rPr lang="en-US" sz="4000" b="1" dirty="0" smtClean="0">
+                <a:solidFill>
+                  <a:srgbClr val="000066"/>
+                </a:solidFill>
+                <a:latin typeface="Microsoft JhengHei" panose="020B0604030504040204" pitchFamily="34" charset="-120"/>
+                <a:ea typeface="Microsoft JhengHei" panose="020B0604030504040204" pitchFamily="34" charset="-120"/>
+              </a:rPr>
+              <a:t> </a:t>
+            </a:r>
+            <a:r>
+              <a:rPr lang="en-US" sz="4000" b="1" dirty="0">
+                <a:solidFill>
+                  <a:srgbClr val="000066"/>
+                </a:solidFill>
+                <a:latin typeface="Microsoft JhengHei" panose="020B0604030504040204" pitchFamily="34" charset="-120"/>
+                <a:ea typeface="Microsoft JhengHei" panose="020B0604030504040204" pitchFamily="34" charset="-120"/>
+              </a:rPr>
+              <a:t>)</a:t>
+            </a:r>
+            <a:endParaRPr lang="vi-VN" sz="4000" b="1" dirty="0">
+              <a:solidFill>
+                <a:srgbClr val="000066"/>
+              </a:solidFill>
+              <a:ea typeface="Microsoft JhengHei" panose="020B0604030504040204" pitchFamily="34" charset="-120"/>
+            </a:endParaRPr>
           </a:p>
         </p:txBody>
       </p:sp>
     </p:spTree>
+    <p:extLst>
+      <p:ext uri="{BB962C8B-B14F-4D97-AF65-F5344CB8AC3E}">
+        <p14:creationId xmlns:p14="http://schemas.microsoft.com/office/powerpoint/2010/main" val="3683948714"/>
+      </p:ext>
+    </p:extLst>
+  </p:cSld>
+  <p:clrMapOvr>
+    <a:masterClrMapping/>
+  </p:clrMapOvr>
+</p:sld>
+</file>
+
+<file path=ppt/slides/slide9.xml><?xml version="1.0" encoding="utf-8"?>
+<p:sld xmlns:a="http://schemas.openxmlformats.org/drawingml/2006/main" xmlns:r="http://schemas.openxmlformats.org/officeDocument/2006/relationships" xmlns:p="http://schemas.openxmlformats.org/presentationml/2006/main">
+  <p:cSld>
+    <p:spTree>
+      <p:nvGrpSpPr>
+        <p:cNvPr id="1" name=""/>
+        <p:cNvGrpSpPr/>
+        <p:nvPr/>
+      </p:nvGrpSpPr>
+      <p:grpSpPr>
+        <a:xfrm>
+          <a:off x="0" y="0"/>
+          <a:ext cx="0" cy="0"/>
+          <a:chOff x="0" y="0"/>
+          <a:chExt cx="0" cy="0"/>
+        </a:xfrm>
+      </p:grpSpPr>
+      <p:sp>
+        <p:nvSpPr>
+          <p:cNvPr id="5" name="內容版面配置區 4"/>
+          <p:cNvSpPr>
+            <a:spLocks noGrp="1"/>
+          </p:cNvSpPr>
+          <p:nvPr>
+            <p:ph idx="1"/>
+          </p:nvPr>
+        </p:nvSpPr>
+        <p:spPr>
+          <a:xfrm>
+            <a:off x="0" y="2084851"/>
+            <a:ext cx="12192000" cy="2404863"/>
+          </a:xfrm>
+        </p:spPr>
+        <p:txBody>
+          <a:bodyPr anchor="ctr">
+            <a:normAutofit/>
+          </a:bodyPr>
+          <a:lstStyle/>
+          <a:p>
+            <a:pPr algn="ctr">
+              <a:buNone/>
+            </a:pPr>
+            <a:r>
+              <a:rPr lang="zh-TW" altLang="en-US" sz="6400" b="1" dirty="0">
+                <a:solidFill>
+                  <a:srgbClr val="000066"/>
+                </a:solidFill>
+                <a:latin typeface="微軟正黑體" pitchFamily="34" charset="-120"/>
+                <a:ea typeface="微軟正黑體" pitchFamily="34" charset="-120"/>
+              </a:rPr>
+              <a:t>萬事盡放開</a:t>
+            </a:r>
+            <a:endParaRPr lang="en-US" altLang="zh-TW" sz="6400" b="1" dirty="0">
+              <a:solidFill>
+                <a:srgbClr val="000066"/>
+              </a:solidFill>
+              <a:latin typeface="微軟正黑體" pitchFamily="34" charset="-120"/>
+              <a:ea typeface="微軟正黑體" pitchFamily="34" charset="-120"/>
+            </a:endParaRPr>
+          </a:p>
+          <a:p>
+            <a:pPr algn="ctr">
+              <a:buNone/>
+            </a:pPr>
+            <a:r>
+              <a:rPr lang="zh-TW" altLang="en-US" sz="6400" b="1" dirty="0">
+                <a:solidFill>
+                  <a:srgbClr val="000066"/>
+                </a:solidFill>
+                <a:latin typeface="微軟正黑體" pitchFamily="34" charset="-120"/>
+                <a:ea typeface="微軟正黑體" pitchFamily="34" charset="-120"/>
+              </a:rPr>
+              <a:t>前程由</a:t>
+            </a:r>
+            <a:r>
+              <a:rPr lang="zh-CN" altLang="en-US" sz="6400" b="1" dirty="0">
+                <a:solidFill>
+                  <a:srgbClr val="000066"/>
+                </a:solidFill>
+                <a:latin typeface="微軟正黑體" pitchFamily="34" charset="-120"/>
+                <a:ea typeface="微軟正黑體" pitchFamily="34" charset="-120"/>
+              </a:rPr>
+              <a:t>袮</a:t>
+            </a:r>
+            <a:r>
+              <a:rPr lang="zh-TW" altLang="en-US" sz="6400" b="1" dirty="0">
+                <a:solidFill>
+                  <a:srgbClr val="000066"/>
+                </a:solidFill>
+                <a:latin typeface="微軟正黑體" pitchFamily="34" charset="-120"/>
+                <a:ea typeface="微軟正黑體" pitchFamily="34" charset="-120"/>
+              </a:rPr>
+              <a:t>主宰  </a:t>
+            </a:r>
+            <a:r>
+              <a:rPr lang="zh-CN" altLang="en-US" sz="6400" b="1" dirty="0">
+                <a:solidFill>
+                  <a:srgbClr val="000066"/>
+                </a:solidFill>
+                <a:latin typeface="微軟正黑體" pitchFamily="34" charset="-120"/>
+                <a:ea typeface="微軟正黑體" pitchFamily="34" charset="-120"/>
+              </a:rPr>
+              <a:t>袮</a:t>
+            </a:r>
+            <a:r>
+              <a:rPr lang="zh-TW" altLang="en-US" sz="6400" b="1" dirty="0">
+                <a:solidFill>
+                  <a:srgbClr val="000066"/>
+                </a:solidFill>
+                <a:latin typeface="微軟正黑體" pitchFamily="34" charset="-120"/>
+                <a:ea typeface="微軟正黑體" pitchFamily="34" charset="-120"/>
+              </a:rPr>
+              <a:t>是愛</a:t>
+            </a:r>
+          </a:p>
+        </p:txBody>
+      </p:sp>
+      <p:sp>
+        <p:nvSpPr>
+          <p:cNvPr id="3" name="TextBox 2"/>
+          <p:cNvSpPr txBox="1"/>
+          <p:nvPr/>
+        </p:nvSpPr>
+        <p:spPr>
+          <a:xfrm>
+            <a:off x="0" y="5157192"/>
+            <a:ext cx="12192000" cy="707886"/>
+          </a:xfrm>
+          <a:prstGeom prst="rect">
+            <a:avLst/>
+          </a:prstGeom>
+          <a:noFill/>
+        </p:spPr>
+        <p:txBody>
+          <a:bodyPr wrap="square" rtlCol="0">
+            <a:spAutoFit/>
+          </a:bodyPr>
+          <a:lstStyle/>
+          <a:p>
+            <a:pPr algn="ctr"/>
+            <a:r>
+              <a:rPr lang="en-US" sz="4000" b="1" dirty="0">
+                <a:solidFill>
+                  <a:srgbClr val="000066"/>
+                </a:solidFill>
+                <a:latin typeface="Microsoft JhengHei" panose="020B0604030504040204" pitchFamily="34" charset="-120"/>
+                <a:ea typeface="Microsoft JhengHei" panose="020B0604030504040204" pitchFamily="34" charset="-120"/>
+              </a:rPr>
+              <a:t>( </a:t>
+            </a:r>
+            <a:r>
+              <a:rPr lang="zh-CN" altLang="en-US" sz="4000" b="1" dirty="0" smtClean="0">
+                <a:solidFill>
+                  <a:srgbClr val="000066"/>
+                </a:solidFill>
+                <a:latin typeface="Microsoft JhengHei" panose="020B0604030504040204" pitchFamily="34" charset="-120"/>
+                <a:ea typeface="Microsoft JhengHei" panose="020B0604030504040204" pitchFamily="34" charset="-120"/>
+              </a:rPr>
+              <a:t>副</a:t>
+            </a:r>
+            <a:r>
+              <a:rPr lang="en-US" sz="4000" b="1" dirty="0" smtClean="0">
+                <a:solidFill>
+                  <a:srgbClr val="000066"/>
+                </a:solidFill>
+                <a:latin typeface="Microsoft JhengHei" panose="020B0604030504040204" pitchFamily="34" charset="-120"/>
+                <a:ea typeface="Microsoft JhengHei" panose="020B0604030504040204" pitchFamily="34" charset="-120"/>
+              </a:rPr>
+              <a:t> </a:t>
+            </a:r>
+            <a:r>
+              <a:rPr lang="en-US" sz="4000" b="1" dirty="0">
+                <a:solidFill>
+                  <a:srgbClr val="000066"/>
+                </a:solidFill>
+                <a:latin typeface="Microsoft JhengHei" panose="020B0604030504040204" pitchFamily="34" charset="-120"/>
+                <a:ea typeface="Microsoft JhengHei" panose="020B0604030504040204" pitchFamily="34" charset="-120"/>
+              </a:rPr>
+              <a:t>)</a:t>
+            </a:r>
+            <a:endParaRPr lang="vi-VN" sz="4000" b="1" dirty="0">
+              <a:solidFill>
+                <a:srgbClr val="000066"/>
+              </a:solidFill>
+              <a:ea typeface="Microsoft JhengHei" panose="020B0604030504040204" pitchFamily="34" charset="-120"/>
+            </a:endParaRPr>
+          </a:p>
+        </p:txBody>
+      </p:sp>
+    </p:spTree>
+    <p:extLst>
+      <p:ext uri="{BB962C8B-B14F-4D97-AF65-F5344CB8AC3E}">
+        <p14:creationId xmlns:p14="http://schemas.microsoft.com/office/powerpoint/2010/main" val="2241857464"/>
+      </p:ext>
+    </p:extLst>
   </p:cSld>
   <p:clrMapOvr>
     <a:masterClrMapping/>
